--- a/2김선중/1231_mini_aiffelthon_report_duplicated_from_3김연수/090_fig1_demand_model.pptx
+++ b/2김선중/1231_mini_aiffelthon_report_duplicated_from_3김연수/090_fig1_demand_model.pptx
@@ -259,7 +259,7 @@
           <a:p>
             <a:fld id="{C489B9F7-79CF-4F22-B823-CF861A1373D1}" type="datetimeFigureOut">
               <a:rPr lang="ko-KR" altLang="en-US" smtClean="0"/>
-              <a:t>2022-12-31</a:t>
+              <a:t>2023-01-02</a:t>
             </a:fld>
             <a:endParaRPr lang="ko-KR" altLang="en-US"/>
           </a:p>
@@ -457,7 +457,7 @@
           <a:p>
             <a:fld id="{C489B9F7-79CF-4F22-B823-CF861A1373D1}" type="datetimeFigureOut">
               <a:rPr lang="ko-KR" altLang="en-US" smtClean="0"/>
-              <a:t>2022-12-31</a:t>
+              <a:t>2023-01-02</a:t>
             </a:fld>
             <a:endParaRPr lang="ko-KR" altLang="en-US"/>
           </a:p>
@@ -665,7 +665,7 @@
           <a:p>
             <a:fld id="{C489B9F7-79CF-4F22-B823-CF861A1373D1}" type="datetimeFigureOut">
               <a:rPr lang="ko-KR" altLang="en-US" smtClean="0"/>
-              <a:t>2022-12-31</a:t>
+              <a:t>2023-01-02</a:t>
             </a:fld>
             <a:endParaRPr lang="ko-KR" altLang="en-US"/>
           </a:p>
@@ -863,7 +863,7 @@
           <a:p>
             <a:fld id="{C489B9F7-79CF-4F22-B823-CF861A1373D1}" type="datetimeFigureOut">
               <a:rPr lang="ko-KR" altLang="en-US" smtClean="0"/>
-              <a:t>2022-12-31</a:t>
+              <a:t>2023-01-02</a:t>
             </a:fld>
             <a:endParaRPr lang="ko-KR" altLang="en-US"/>
           </a:p>
@@ -1138,7 +1138,7 @@
           <a:p>
             <a:fld id="{C489B9F7-79CF-4F22-B823-CF861A1373D1}" type="datetimeFigureOut">
               <a:rPr lang="ko-KR" altLang="en-US" smtClean="0"/>
-              <a:t>2022-12-31</a:t>
+              <a:t>2023-01-02</a:t>
             </a:fld>
             <a:endParaRPr lang="ko-KR" altLang="en-US"/>
           </a:p>
@@ -1403,7 +1403,7 @@
           <a:p>
             <a:fld id="{C489B9F7-79CF-4F22-B823-CF861A1373D1}" type="datetimeFigureOut">
               <a:rPr lang="ko-KR" altLang="en-US" smtClean="0"/>
-              <a:t>2022-12-31</a:t>
+              <a:t>2023-01-02</a:t>
             </a:fld>
             <a:endParaRPr lang="ko-KR" altLang="en-US"/>
           </a:p>
@@ -1815,7 +1815,7 @@
           <a:p>
             <a:fld id="{C489B9F7-79CF-4F22-B823-CF861A1373D1}" type="datetimeFigureOut">
               <a:rPr lang="ko-KR" altLang="en-US" smtClean="0"/>
-              <a:t>2022-12-31</a:t>
+              <a:t>2023-01-02</a:t>
             </a:fld>
             <a:endParaRPr lang="ko-KR" altLang="en-US"/>
           </a:p>
@@ -1956,7 +1956,7 @@
           <a:p>
             <a:fld id="{C489B9F7-79CF-4F22-B823-CF861A1373D1}" type="datetimeFigureOut">
               <a:rPr lang="ko-KR" altLang="en-US" smtClean="0"/>
-              <a:t>2022-12-31</a:t>
+              <a:t>2023-01-02</a:t>
             </a:fld>
             <a:endParaRPr lang="ko-KR" altLang="en-US"/>
           </a:p>
@@ -2069,7 +2069,7 @@
           <a:p>
             <a:fld id="{C489B9F7-79CF-4F22-B823-CF861A1373D1}" type="datetimeFigureOut">
               <a:rPr lang="ko-KR" altLang="en-US" smtClean="0"/>
-              <a:t>2022-12-31</a:t>
+              <a:t>2023-01-02</a:t>
             </a:fld>
             <a:endParaRPr lang="ko-KR" altLang="en-US"/>
           </a:p>
@@ -2380,7 +2380,7 @@
           <a:p>
             <a:fld id="{C489B9F7-79CF-4F22-B823-CF861A1373D1}" type="datetimeFigureOut">
               <a:rPr lang="ko-KR" altLang="en-US" smtClean="0"/>
-              <a:t>2022-12-31</a:t>
+              <a:t>2023-01-02</a:t>
             </a:fld>
             <a:endParaRPr lang="ko-KR" altLang="en-US"/>
           </a:p>
@@ -2668,7 +2668,7 @@
           <a:p>
             <a:fld id="{C489B9F7-79CF-4F22-B823-CF861A1373D1}" type="datetimeFigureOut">
               <a:rPr lang="ko-KR" altLang="en-US" smtClean="0"/>
-              <a:t>2022-12-31</a:t>
+              <a:t>2023-01-02</a:t>
             </a:fld>
             <a:endParaRPr lang="ko-KR" altLang="en-US"/>
           </a:p>
@@ -2909,7 +2909,7 @@
           <a:p>
             <a:fld id="{C489B9F7-79CF-4F22-B823-CF861A1373D1}" type="datetimeFigureOut">
               <a:rPr lang="ko-KR" altLang="en-US" smtClean="0"/>
-              <a:t>2022-12-31</a:t>
+              <a:t>2023-01-02</a:t>
             </a:fld>
             <a:endParaRPr lang="ko-KR" altLang="en-US"/>
           </a:p>
@@ -3326,1824 +3326,1845 @@
           <a:chExt cx="0" cy="0"/>
         </a:xfrm>
       </p:grpSpPr>
-      <p:sp>
-        <p:nvSpPr>
-          <p:cNvPr id="4" name="직사각형 3">
-            <a:extLst>
-              <a:ext uri="{FF2B5EF4-FFF2-40B4-BE49-F238E27FC236}">
-                <a16:creationId xmlns:a16="http://schemas.microsoft.com/office/drawing/2014/main" id="{621F2444-09BF-3792-24CE-7D2BA7374928}"/>
-              </a:ext>
-            </a:extLst>
-          </p:cNvPr>
-          <p:cNvSpPr/>
+      <p:grpSp>
+        <p:nvGrpSpPr>
+          <p:cNvPr id="2" name="Group 1">
+            <a:extLst>
+              <a:ext uri="{FF2B5EF4-FFF2-40B4-BE49-F238E27FC236}">
+                <a16:creationId xmlns:a16="http://schemas.microsoft.com/office/drawing/2014/main" id="{F142A69A-CEF4-B58F-437C-EDE173455F45}"/>
+              </a:ext>
+            </a:extLst>
+          </p:cNvPr>
+          <p:cNvGrpSpPr/>
           <p:nvPr/>
-        </p:nvSpPr>
-        <p:spPr>
+        </p:nvGrpSpPr>
+        <p:grpSpPr>
           <a:xfrm>
-            <a:off x="509666" y="539643"/>
-            <a:ext cx="959370" cy="3972393"/>
+            <a:off x="509665" y="539642"/>
+            <a:ext cx="11047751" cy="6058775"/>
+            <a:chOff x="509665" y="539642"/>
+            <a:chExt cx="11047751" cy="6058775"/>
           </a:xfrm>
-          <a:prstGeom prst="rect">
-            <a:avLst/>
-          </a:prstGeom>
-          <a:noFill/>
-        </p:spPr>
-        <p:style>
-          <a:lnRef idx="2">
-            <a:schemeClr val="accent1">
-              <a:shade val="50000"/>
-            </a:schemeClr>
-          </a:lnRef>
-          <a:fillRef idx="1">
-            <a:schemeClr val="accent1"/>
-          </a:fillRef>
-          <a:effectRef idx="0">
-            <a:schemeClr val="accent1"/>
-          </a:effectRef>
-          <a:fontRef idx="minor">
-            <a:schemeClr val="lt1"/>
-          </a:fontRef>
-        </p:style>
-        <p:txBody>
-          <a:bodyPr rtlCol="0" anchor="ctr"/>
-          <a:lstStyle/>
-          <a:p>
-            <a:pPr algn="ctr"/>
-            <a:r>
-              <a:rPr lang="en-US" altLang="ko-KR" dirty="0">
+        </p:grpSpPr>
+        <p:sp>
+          <p:nvSpPr>
+            <p:cNvPr id="4" name="직사각형 3">
+              <a:extLst>
+                <a:ext uri="{FF2B5EF4-FFF2-40B4-BE49-F238E27FC236}">
+                  <a16:creationId xmlns:a16="http://schemas.microsoft.com/office/drawing/2014/main" id="{621F2444-09BF-3792-24CE-7D2BA7374928}"/>
+                </a:ext>
+              </a:extLst>
+            </p:cNvPr>
+            <p:cNvSpPr/>
+            <p:nvPr/>
+          </p:nvSpPr>
+          <p:spPr>
+            <a:xfrm>
+              <a:off x="509666" y="539643"/>
+              <a:ext cx="959370" cy="3972393"/>
+            </a:xfrm>
+            <a:prstGeom prst="rect">
+              <a:avLst/>
+            </a:prstGeom>
+            <a:noFill/>
+          </p:spPr>
+          <p:style>
+            <a:lnRef idx="2">
+              <a:schemeClr val="accent1">
+                <a:shade val="50000"/>
+              </a:schemeClr>
+            </a:lnRef>
+            <a:fillRef idx="1">
+              <a:schemeClr val="accent1"/>
+            </a:fillRef>
+            <a:effectRef idx="0">
+              <a:schemeClr val="accent1"/>
+            </a:effectRef>
+            <a:fontRef idx="minor">
+              <a:schemeClr val="lt1"/>
+            </a:fontRef>
+          </p:style>
+          <p:txBody>
+            <a:bodyPr rtlCol="0" anchor="ctr"/>
+            <a:lstStyle/>
+            <a:p>
+              <a:pPr algn="ctr"/>
+              <a:r>
+                <a:rPr lang="en-US" altLang="ko-KR" dirty="0">
+                  <a:solidFill>
+                    <a:schemeClr val="tx1"/>
+                  </a:solidFill>
+                </a:rPr>
+                <a:t>Train</a:t>
+              </a:r>
+              <a:endParaRPr lang="ko-KR" altLang="en-US" dirty="0">
                 <a:solidFill>
                   <a:schemeClr val="tx1"/>
                 </a:solidFill>
-              </a:rPr>
-              <a:t>Train</a:t>
-            </a:r>
-            <a:endParaRPr lang="ko-KR" altLang="en-US" dirty="0">
-              <a:solidFill>
-                <a:schemeClr val="tx1"/>
-              </a:solidFill>
-            </a:endParaRPr>
-          </a:p>
-        </p:txBody>
-      </p:sp>
-      <p:sp>
-        <p:nvSpPr>
-          <p:cNvPr id="5" name="직사각형 4">
-            <a:extLst>
-              <a:ext uri="{FF2B5EF4-FFF2-40B4-BE49-F238E27FC236}">
-                <a16:creationId xmlns:a16="http://schemas.microsoft.com/office/drawing/2014/main" id="{850CB96D-2164-E691-F0A4-1D7B23B57E89}"/>
-              </a:ext>
-            </a:extLst>
-          </p:cNvPr>
-          <p:cNvSpPr/>
-          <p:nvPr/>
-        </p:nvSpPr>
-        <p:spPr>
-          <a:xfrm>
-            <a:off x="1621435" y="539642"/>
-            <a:ext cx="9935981" cy="3972393"/>
-          </a:xfrm>
-          <a:prstGeom prst="rect">
-            <a:avLst/>
-          </a:prstGeom>
-          <a:noFill/>
-        </p:spPr>
-        <p:style>
-          <a:lnRef idx="2">
-            <a:schemeClr val="accent1">
-              <a:shade val="50000"/>
-            </a:schemeClr>
-          </a:lnRef>
-          <a:fillRef idx="1">
-            <a:schemeClr val="accent1"/>
-          </a:fillRef>
-          <a:effectRef idx="0">
-            <a:schemeClr val="accent1"/>
-          </a:effectRef>
-          <a:fontRef idx="minor">
-            <a:schemeClr val="lt1"/>
-          </a:fontRef>
-        </p:style>
-        <p:txBody>
-          <a:bodyPr rtlCol="0" anchor="ctr"/>
-          <a:lstStyle/>
-          <a:p>
-            <a:pPr algn="ctr"/>
-            <a:endParaRPr lang="ko-KR" altLang="en-US"/>
-          </a:p>
-        </p:txBody>
-      </p:sp>
-      <p:sp>
-        <p:nvSpPr>
-          <p:cNvPr id="6" name="직사각형 5">
-            <a:extLst>
-              <a:ext uri="{FF2B5EF4-FFF2-40B4-BE49-F238E27FC236}">
-                <a16:creationId xmlns:a16="http://schemas.microsoft.com/office/drawing/2014/main" id="{15FE8CDB-EA24-42B4-CA1B-C1276AE73694}"/>
-              </a:ext>
-            </a:extLst>
-          </p:cNvPr>
-          <p:cNvSpPr/>
-          <p:nvPr/>
-        </p:nvSpPr>
-        <p:spPr>
-          <a:xfrm>
-            <a:off x="509665" y="4646948"/>
-            <a:ext cx="959370" cy="1618939"/>
-          </a:xfrm>
-          <a:prstGeom prst="rect">
-            <a:avLst/>
-          </a:prstGeom>
-          <a:noFill/>
-        </p:spPr>
-        <p:style>
-          <a:lnRef idx="2">
-            <a:schemeClr val="accent1">
-              <a:shade val="50000"/>
-            </a:schemeClr>
-          </a:lnRef>
-          <a:fillRef idx="1">
-            <a:schemeClr val="accent1"/>
-          </a:fillRef>
-          <a:effectRef idx="0">
-            <a:schemeClr val="accent1"/>
-          </a:effectRef>
-          <a:fontRef idx="minor">
-            <a:schemeClr val="lt1"/>
-          </a:fontRef>
-        </p:style>
-        <p:txBody>
-          <a:bodyPr rtlCol="0" anchor="ctr"/>
-          <a:lstStyle/>
-          <a:p>
-            <a:pPr algn="ctr"/>
-            <a:r>
-              <a:rPr lang="en-US" altLang="ko-KR" dirty="0">
+              </a:endParaRPr>
+            </a:p>
+          </p:txBody>
+        </p:sp>
+        <p:sp>
+          <p:nvSpPr>
+            <p:cNvPr id="5" name="직사각형 4">
+              <a:extLst>
+                <a:ext uri="{FF2B5EF4-FFF2-40B4-BE49-F238E27FC236}">
+                  <a16:creationId xmlns:a16="http://schemas.microsoft.com/office/drawing/2014/main" id="{850CB96D-2164-E691-F0A4-1D7B23B57E89}"/>
+                </a:ext>
+              </a:extLst>
+            </p:cNvPr>
+            <p:cNvSpPr/>
+            <p:nvPr/>
+          </p:nvSpPr>
+          <p:spPr>
+            <a:xfrm>
+              <a:off x="1621435" y="539642"/>
+              <a:ext cx="9935981" cy="3972393"/>
+            </a:xfrm>
+            <a:prstGeom prst="rect">
+              <a:avLst/>
+            </a:prstGeom>
+            <a:noFill/>
+          </p:spPr>
+          <p:style>
+            <a:lnRef idx="2">
+              <a:schemeClr val="accent1">
+                <a:shade val="50000"/>
+              </a:schemeClr>
+            </a:lnRef>
+            <a:fillRef idx="1">
+              <a:schemeClr val="accent1"/>
+            </a:fillRef>
+            <a:effectRef idx="0">
+              <a:schemeClr val="accent1"/>
+            </a:effectRef>
+            <a:fontRef idx="minor">
+              <a:schemeClr val="lt1"/>
+            </a:fontRef>
+          </p:style>
+          <p:txBody>
+            <a:bodyPr rtlCol="0" anchor="ctr"/>
+            <a:lstStyle/>
+            <a:p>
+              <a:pPr algn="ctr"/>
+              <a:endParaRPr lang="ko-KR" altLang="en-US"/>
+            </a:p>
+          </p:txBody>
+        </p:sp>
+        <p:sp>
+          <p:nvSpPr>
+            <p:cNvPr id="6" name="직사각형 5">
+              <a:extLst>
+                <a:ext uri="{FF2B5EF4-FFF2-40B4-BE49-F238E27FC236}">
+                  <a16:creationId xmlns:a16="http://schemas.microsoft.com/office/drawing/2014/main" id="{15FE8CDB-EA24-42B4-CA1B-C1276AE73694}"/>
+                </a:ext>
+              </a:extLst>
+            </p:cNvPr>
+            <p:cNvSpPr/>
+            <p:nvPr/>
+          </p:nvSpPr>
+          <p:spPr>
+            <a:xfrm>
+              <a:off x="509665" y="4646948"/>
+              <a:ext cx="959370" cy="1618939"/>
+            </a:xfrm>
+            <a:prstGeom prst="rect">
+              <a:avLst/>
+            </a:prstGeom>
+            <a:noFill/>
+          </p:spPr>
+          <p:style>
+            <a:lnRef idx="2">
+              <a:schemeClr val="accent1">
+                <a:shade val="50000"/>
+              </a:schemeClr>
+            </a:lnRef>
+            <a:fillRef idx="1">
+              <a:schemeClr val="accent1"/>
+            </a:fillRef>
+            <a:effectRef idx="0">
+              <a:schemeClr val="accent1"/>
+            </a:effectRef>
+            <a:fontRef idx="minor">
+              <a:schemeClr val="lt1"/>
+            </a:fontRef>
+          </p:style>
+          <p:txBody>
+            <a:bodyPr rtlCol="0" anchor="ctr"/>
+            <a:lstStyle/>
+            <a:p>
+              <a:pPr algn="ctr"/>
+              <a:r>
+                <a:rPr lang="en-US" altLang="ko-KR" dirty="0">
+                  <a:solidFill>
+                    <a:schemeClr val="tx1"/>
+                  </a:solidFill>
+                </a:rPr>
+                <a:t>Predict</a:t>
+              </a:r>
+              <a:endParaRPr lang="ko-KR" altLang="en-US" dirty="0">
                 <a:solidFill>
                   <a:schemeClr val="tx1"/>
                 </a:solidFill>
-              </a:rPr>
-              <a:t>Predict</a:t>
-            </a:r>
-            <a:endParaRPr lang="ko-KR" altLang="en-US" dirty="0">
-              <a:solidFill>
-                <a:schemeClr val="tx1"/>
-              </a:solidFill>
-            </a:endParaRPr>
-          </a:p>
-        </p:txBody>
-      </p:sp>
-      <p:sp>
-        <p:nvSpPr>
-          <p:cNvPr id="7" name="직사각형 6">
-            <a:extLst>
-              <a:ext uri="{FF2B5EF4-FFF2-40B4-BE49-F238E27FC236}">
-                <a16:creationId xmlns:a16="http://schemas.microsoft.com/office/drawing/2014/main" id="{53A03178-E2CB-0F39-997D-FE750124F36D}"/>
-              </a:ext>
-            </a:extLst>
-          </p:cNvPr>
-          <p:cNvSpPr/>
-          <p:nvPr/>
-        </p:nvSpPr>
-        <p:spPr>
-          <a:xfrm>
-            <a:off x="1621434" y="4646948"/>
-            <a:ext cx="9935981" cy="1621436"/>
-          </a:xfrm>
-          <a:prstGeom prst="rect">
-            <a:avLst/>
-          </a:prstGeom>
-          <a:noFill/>
-        </p:spPr>
-        <p:style>
-          <a:lnRef idx="2">
-            <a:schemeClr val="accent1">
-              <a:shade val="50000"/>
-            </a:schemeClr>
-          </a:lnRef>
-          <a:fillRef idx="1">
-            <a:schemeClr val="accent1"/>
-          </a:fillRef>
-          <a:effectRef idx="0">
-            <a:schemeClr val="accent1"/>
-          </a:effectRef>
-          <a:fontRef idx="minor">
-            <a:schemeClr val="lt1"/>
-          </a:fontRef>
-        </p:style>
-        <p:txBody>
-          <a:bodyPr rtlCol="0" anchor="ctr"/>
-          <a:lstStyle/>
-          <a:p>
-            <a:pPr algn="ctr"/>
-            <a:endParaRPr lang="ko-KR" altLang="en-US"/>
-          </a:p>
-        </p:txBody>
-      </p:sp>
-      <p:sp>
-        <p:nvSpPr>
-          <p:cNvPr id="8" name="직사각형 7">
-            <a:extLst>
-              <a:ext uri="{FF2B5EF4-FFF2-40B4-BE49-F238E27FC236}">
-                <a16:creationId xmlns:a16="http://schemas.microsoft.com/office/drawing/2014/main" id="{D99918E5-4D9F-A6C6-2574-F6C001EF55F0}"/>
-              </a:ext>
-            </a:extLst>
-          </p:cNvPr>
-          <p:cNvSpPr/>
-          <p:nvPr/>
-        </p:nvSpPr>
-        <p:spPr>
-          <a:xfrm>
-            <a:off x="3387777" y="854439"/>
-            <a:ext cx="1260000" cy="540000"/>
-          </a:xfrm>
-          <a:prstGeom prst="rect">
-            <a:avLst/>
-          </a:prstGeom>
-          <a:noFill/>
-        </p:spPr>
-        <p:style>
-          <a:lnRef idx="2">
-            <a:schemeClr val="accent1">
-              <a:shade val="50000"/>
-            </a:schemeClr>
-          </a:lnRef>
-          <a:fillRef idx="1">
-            <a:schemeClr val="accent1"/>
-          </a:fillRef>
-          <a:effectRef idx="0">
-            <a:schemeClr val="accent1"/>
-          </a:effectRef>
-          <a:fontRef idx="minor">
-            <a:schemeClr val="lt1"/>
-          </a:fontRef>
-        </p:style>
-        <p:txBody>
-          <a:bodyPr rtlCol="0" anchor="ctr"/>
-          <a:lstStyle/>
-          <a:p>
-            <a:pPr algn="ctr"/>
-            <a:r>
-              <a:rPr lang="en-US" altLang="ko-KR" sz="1200" dirty="0">
+              </a:endParaRPr>
+            </a:p>
+          </p:txBody>
+        </p:sp>
+        <p:sp>
+          <p:nvSpPr>
+            <p:cNvPr id="7" name="직사각형 6">
+              <a:extLst>
+                <a:ext uri="{FF2B5EF4-FFF2-40B4-BE49-F238E27FC236}">
+                  <a16:creationId xmlns:a16="http://schemas.microsoft.com/office/drawing/2014/main" id="{53A03178-E2CB-0F39-997D-FE750124F36D}"/>
+                </a:ext>
+              </a:extLst>
+            </p:cNvPr>
+            <p:cNvSpPr/>
+            <p:nvPr/>
+          </p:nvSpPr>
+          <p:spPr>
+            <a:xfrm>
+              <a:off x="1621434" y="4646948"/>
+              <a:ext cx="9935981" cy="1621436"/>
+            </a:xfrm>
+            <a:prstGeom prst="rect">
+              <a:avLst/>
+            </a:prstGeom>
+            <a:noFill/>
+          </p:spPr>
+          <p:style>
+            <a:lnRef idx="2">
+              <a:schemeClr val="accent1">
+                <a:shade val="50000"/>
+              </a:schemeClr>
+            </a:lnRef>
+            <a:fillRef idx="1">
+              <a:schemeClr val="accent1"/>
+            </a:fillRef>
+            <a:effectRef idx="0">
+              <a:schemeClr val="accent1"/>
+            </a:effectRef>
+            <a:fontRef idx="minor">
+              <a:schemeClr val="lt1"/>
+            </a:fontRef>
+          </p:style>
+          <p:txBody>
+            <a:bodyPr rtlCol="0" anchor="ctr"/>
+            <a:lstStyle/>
+            <a:p>
+              <a:pPr algn="ctr"/>
+              <a:endParaRPr lang="ko-KR" altLang="en-US"/>
+            </a:p>
+          </p:txBody>
+        </p:sp>
+        <p:sp>
+          <p:nvSpPr>
+            <p:cNvPr id="8" name="직사각형 7">
+              <a:extLst>
+                <a:ext uri="{FF2B5EF4-FFF2-40B4-BE49-F238E27FC236}">
+                  <a16:creationId xmlns:a16="http://schemas.microsoft.com/office/drawing/2014/main" id="{D99918E5-4D9F-A6C6-2574-F6C001EF55F0}"/>
+                </a:ext>
+              </a:extLst>
+            </p:cNvPr>
+            <p:cNvSpPr/>
+            <p:nvPr/>
+          </p:nvSpPr>
+          <p:spPr>
+            <a:xfrm>
+              <a:off x="3387777" y="854439"/>
+              <a:ext cx="1260000" cy="540000"/>
+            </a:xfrm>
+            <a:prstGeom prst="rect">
+              <a:avLst/>
+            </a:prstGeom>
+            <a:noFill/>
+          </p:spPr>
+          <p:style>
+            <a:lnRef idx="2">
+              <a:schemeClr val="accent1">
+                <a:shade val="50000"/>
+              </a:schemeClr>
+            </a:lnRef>
+            <a:fillRef idx="1">
+              <a:schemeClr val="accent1"/>
+            </a:fillRef>
+            <a:effectRef idx="0">
+              <a:schemeClr val="accent1"/>
+            </a:effectRef>
+            <a:fontRef idx="minor">
+              <a:schemeClr val="lt1"/>
+            </a:fontRef>
+          </p:style>
+          <p:txBody>
+            <a:bodyPr rtlCol="0" anchor="ctr"/>
+            <a:lstStyle/>
+            <a:p>
+              <a:pPr algn="ctr"/>
+              <a:r>
+                <a:rPr lang="en-US" altLang="ko-KR" sz="1200" dirty="0">
+                  <a:solidFill>
+                    <a:schemeClr val="tx1"/>
+                  </a:solidFill>
+                </a:rPr>
+                <a:t>Feature Extraction</a:t>
+              </a:r>
+              <a:endParaRPr lang="ko-KR" altLang="en-US" sz="1200" dirty="0">
                 <a:solidFill>
                   <a:schemeClr val="tx1"/>
                 </a:solidFill>
-              </a:rPr>
-              <a:t>Feature Extraction</a:t>
-            </a:r>
-            <a:endParaRPr lang="ko-KR" altLang="en-US" sz="1200" dirty="0">
-              <a:solidFill>
-                <a:schemeClr val="tx1"/>
-              </a:solidFill>
-            </a:endParaRPr>
-          </a:p>
-        </p:txBody>
-      </p:sp>
-      <p:sp>
-        <p:nvSpPr>
-          <p:cNvPr id="9" name="사각형: 둥근 모서리 8">
-            <a:extLst>
-              <a:ext uri="{FF2B5EF4-FFF2-40B4-BE49-F238E27FC236}">
-                <a16:creationId xmlns:a16="http://schemas.microsoft.com/office/drawing/2014/main" id="{2B149AE5-9151-236C-102C-7D3B95017CCE}"/>
-              </a:ext>
-            </a:extLst>
-          </p:cNvPr>
-          <p:cNvSpPr/>
-          <p:nvPr/>
-        </p:nvSpPr>
-        <p:spPr>
-          <a:xfrm>
-            <a:off x="1828802" y="2263511"/>
-            <a:ext cx="1260000" cy="540000"/>
-          </a:xfrm>
-          <a:prstGeom prst="roundRect">
-            <a:avLst/>
-          </a:prstGeom>
-          <a:noFill/>
-        </p:spPr>
-        <p:style>
-          <a:lnRef idx="2">
-            <a:schemeClr val="accent1">
-              <a:shade val="50000"/>
-            </a:schemeClr>
-          </a:lnRef>
-          <a:fillRef idx="1">
-            <a:schemeClr val="accent1"/>
-          </a:fillRef>
-          <a:effectRef idx="0">
-            <a:schemeClr val="accent1"/>
-          </a:effectRef>
-          <a:fontRef idx="minor">
-            <a:schemeClr val="lt1"/>
-          </a:fontRef>
-        </p:style>
-        <p:txBody>
-          <a:bodyPr rtlCol="0" anchor="ctr"/>
-          <a:lstStyle/>
-          <a:p>
-            <a:pPr algn="ctr"/>
-            <a:r>
-              <a:rPr lang="en-US" altLang="ko-KR" sz="1200" dirty="0" err="1">
+              </a:endParaRPr>
+            </a:p>
+          </p:txBody>
+        </p:sp>
+        <p:sp>
+          <p:nvSpPr>
+            <p:cNvPr id="9" name="사각형: 둥근 모서리 8">
+              <a:extLst>
+                <a:ext uri="{FF2B5EF4-FFF2-40B4-BE49-F238E27FC236}">
+                  <a16:creationId xmlns:a16="http://schemas.microsoft.com/office/drawing/2014/main" id="{2B149AE5-9151-236C-102C-7D3B95017CCE}"/>
+                </a:ext>
+              </a:extLst>
+            </p:cNvPr>
+            <p:cNvSpPr/>
+            <p:nvPr/>
+          </p:nvSpPr>
+          <p:spPr>
+            <a:xfrm>
+              <a:off x="1828802" y="2263511"/>
+              <a:ext cx="1260000" cy="540000"/>
+            </a:xfrm>
+            <a:prstGeom prst="roundRect">
+              <a:avLst/>
+            </a:prstGeom>
+            <a:noFill/>
+          </p:spPr>
+          <p:style>
+            <a:lnRef idx="2">
+              <a:schemeClr val="accent1">
+                <a:shade val="50000"/>
+              </a:schemeClr>
+            </a:lnRef>
+            <a:fillRef idx="1">
+              <a:schemeClr val="accent1"/>
+            </a:fillRef>
+            <a:effectRef idx="0">
+              <a:schemeClr val="accent1"/>
+            </a:effectRef>
+            <a:fontRef idx="minor">
+              <a:schemeClr val="lt1"/>
+            </a:fontRef>
+          </p:style>
+          <p:txBody>
+            <a:bodyPr rtlCol="0" anchor="ctr"/>
+            <a:lstStyle/>
+            <a:p>
+              <a:pPr algn="ctr"/>
+              <a:r>
+                <a:rPr lang="en-US" altLang="ko-KR" sz="1200" dirty="0" err="1">
+                  <a:solidFill>
+                    <a:schemeClr val="tx1"/>
+                  </a:solidFill>
+                </a:rPr>
+                <a:t>Socar</a:t>
+              </a:r>
+              <a:r>
+                <a:rPr lang="en-US" altLang="ko-KR" sz="1200" dirty="0">
+                  <a:solidFill>
+                    <a:schemeClr val="tx1"/>
+                  </a:solidFill>
+                </a:rPr>
+                <a:t> Data,</a:t>
+              </a:r>
+            </a:p>
+            <a:p>
+              <a:pPr algn="ctr"/>
+              <a:r>
+                <a:rPr lang="ko-KR" altLang="en-US" sz="1200" dirty="0">
+                  <a:solidFill>
+                    <a:schemeClr val="tx1"/>
+                  </a:solidFill>
+                </a:rPr>
+                <a:t>외부 </a:t>
+              </a:r>
+              <a:r>
+                <a:rPr lang="en-US" altLang="ko-KR" sz="1200" dirty="0">
+                  <a:solidFill>
+                    <a:schemeClr val="tx1"/>
+                  </a:solidFill>
+                </a:rPr>
+                <a:t>Data</a:t>
+              </a:r>
+              <a:endParaRPr lang="ko-KR" altLang="en-US" sz="1200" dirty="0">
                 <a:solidFill>
                   <a:schemeClr val="tx1"/>
                 </a:solidFill>
-              </a:rPr>
-              <a:t>Socar</a:t>
-            </a:r>
-            <a:r>
-              <a:rPr lang="en-US" altLang="ko-KR" sz="1200" dirty="0">
+              </a:endParaRPr>
+            </a:p>
+          </p:txBody>
+        </p:sp>
+        <p:sp>
+          <p:nvSpPr>
+            <p:cNvPr id="10" name="직사각형 9">
+              <a:extLst>
+                <a:ext uri="{FF2B5EF4-FFF2-40B4-BE49-F238E27FC236}">
+                  <a16:creationId xmlns:a16="http://schemas.microsoft.com/office/drawing/2014/main" id="{61F83136-1EA7-6A2C-2098-5A2015EF3ACB}"/>
+                </a:ext>
+              </a:extLst>
+            </p:cNvPr>
+            <p:cNvSpPr/>
+            <p:nvPr/>
+          </p:nvSpPr>
+          <p:spPr>
+            <a:xfrm>
+              <a:off x="5229897" y="854439"/>
+              <a:ext cx="1260000" cy="540000"/>
+            </a:xfrm>
+            <a:prstGeom prst="rect">
+              <a:avLst/>
+            </a:prstGeom>
+            <a:noFill/>
+          </p:spPr>
+          <p:style>
+            <a:lnRef idx="2">
+              <a:schemeClr val="accent1">
+                <a:shade val="50000"/>
+              </a:schemeClr>
+            </a:lnRef>
+            <a:fillRef idx="1">
+              <a:schemeClr val="accent1"/>
+            </a:fillRef>
+            <a:effectRef idx="0">
+              <a:schemeClr val="accent1"/>
+            </a:effectRef>
+            <a:fontRef idx="minor">
+              <a:schemeClr val="lt1"/>
+            </a:fontRef>
+          </p:style>
+          <p:txBody>
+            <a:bodyPr rtlCol="0" anchor="ctr"/>
+            <a:lstStyle/>
+            <a:p>
+              <a:pPr algn="ctr"/>
+              <a:r>
+                <a:rPr lang="en-US" altLang="ko-KR" sz="1200" dirty="0">
+                  <a:solidFill>
+                    <a:schemeClr val="tx1"/>
+                  </a:solidFill>
+                </a:rPr>
+                <a:t>K-means</a:t>
+              </a:r>
+            </a:p>
+            <a:p>
+              <a:pPr algn="ctr"/>
+              <a:r>
+                <a:rPr lang="en-US" altLang="ko-KR" sz="1200" dirty="0">
+                  <a:solidFill>
+                    <a:schemeClr val="tx1"/>
+                  </a:solidFill>
+                </a:rPr>
+                <a:t>Clustering</a:t>
+              </a:r>
+              <a:endParaRPr lang="ko-KR" altLang="en-US" sz="1200" dirty="0">
                 <a:solidFill>
                   <a:schemeClr val="tx1"/>
                 </a:solidFill>
-              </a:rPr>
-              <a:t> Data,</a:t>
-            </a:r>
-          </a:p>
-          <a:p>
-            <a:pPr algn="ctr"/>
-            <a:r>
-              <a:rPr lang="ko-KR" altLang="en-US" sz="1200" dirty="0">
+              </a:endParaRPr>
+            </a:p>
+          </p:txBody>
+        </p:sp>
+        <p:sp>
+          <p:nvSpPr>
+            <p:cNvPr id="11" name="직사각형 10">
+              <a:extLst>
+                <a:ext uri="{FF2B5EF4-FFF2-40B4-BE49-F238E27FC236}">
+                  <a16:creationId xmlns:a16="http://schemas.microsoft.com/office/drawing/2014/main" id="{660DAF54-57D7-FD94-F5C8-CB41A455EA2A}"/>
+                </a:ext>
+              </a:extLst>
+            </p:cNvPr>
+            <p:cNvSpPr/>
+            <p:nvPr/>
+          </p:nvSpPr>
+          <p:spPr>
+            <a:xfrm>
+              <a:off x="4058168" y="2751048"/>
+              <a:ext cx="1260000" cy="540000"/>
+            </a:xfrm>
+            <a:prstGeom prst="rect">
+              <a:avLst/>
+            </a:prstGeom>
+            <a:noFill/>
+          </p:spPr>
+          <p:style>
+            <a:lnRef idx="2">
+              <a:schemeClr val="accent1">
+                <a:shade val="50000"/>
+              </a:schemeClr>
+            </a:lnRef>
+            <a:fillRef idx="1">
+              <a:schemeClr val="accent1"/>
+            </a:fillRef>
+            <a:effectRef idx="0">
+              <a:schemeClr val="accent1"/>
+            </a:effectRef>
+            <a:fontRef idx="minor">
+              <a:schemeClr val="lt1"/>
+            </a:fontRef>
+          </p:style>
+          <p:txBody>
+            <a:bodyPr rtlCol="0" anchor="ctr"/>
+            <a:lstStyle/>
+            <a:p>
+              <a:pPr algn="ctr"/>
+              <a:r>
+                <a:rPr lang="en-US" altLang="ko-KR" sz="1200" dirty="0">
+                  <a:solidFill>
+                    <a:schemeClr val="tx1"/>
+                  </a:solidFill>
+                </a:rPr>
+                <a:t>Feature Extraction</a:t>
+              </a:r>
+              <a:endParaRPr lang="ko-KR" altLang="en-US" sz="1200" dirty="0">
                 <a:solidFill>
                   <a:schemeClr val="tx1"/>
                 </a:solidFill>
-              </a:rPr>
-              <a:t>외부 </a:t>
-            </a:r>
-            <a:r>
-              <a:rPr lang="en-US" altLang="ko-KR" sz="1200" dirty="0">
+              </a:endParaRPr>
+            </a:p>
+          </p:txBody>
+        </p:sp>
+        <p:sp>
+          <p:nvSpPr>
+            <p:cNvPr id="12" name="사각형: 둥근 모서리 11">
+              <a:extLst>
+                <a:ext uri="{FF2B5EF4-FFF2-40B4-BE49-F238E27FC236}">
+                  <a16:creationId xmlns:a16="http://schemas.microsoft.com/office/drawing/2014/main" id="{8226B08B-8D86-C6A7-949E-D2CD170E25F8}"/>
+                </a:ext>
+              </a:extLst>
+            </p:cNvPr>
+            <p:cNvSpPr/>
+            <p:nvPr/>
+          </p:nvSpPr>
+          <p:spPr>
+            <a:xfrm>
+              <a:off x="6063109" y="1829156"/>
+              <a:ext cx="1260000" cy="720970"/>
+            </a:xfrm>
+            <a:prstGeom prst="roundRect">
+              <a:avLst/>
+            </a:prstGeom>
+            <a:noFill/>
+          </p:spPr>
+          <p:style>
+            <a:lnRef idx="2">
+              <a:schemeClr val="accent1">
+                <a:shade val="50000"/>
+              </a:schemeClr>
+            </a:lnRef>
+            <a:fillRef idx="1">
+              <a:schemeClr val="accent1"/>
+            </a:fillRef>
+            <a:effectRef idx="0">
+              <a:schemeClr val="accent1"/>
+            </a:effectRef>
+            <a:fontRef idx="minor">
+              <a:schemeClr val="lt1"/>
+            </a:fontRef>
+          </p:style>
+          <p:txBody>
+            <a:bodyPr rtlCol="0" anchor="ctr"/>
+            <a:lstStyle/>
+            <a:p>
+              <a:pPr algn="ctr"/>
+              <a:r>
+                <a:rPr lang="en-US" altLang="ko-KR" sz="1200" dirty="0">
+                  <a:solidFill>
+                    <a:schemeClr val="tx1"/>
+                  </a:solidFill>
+                </a:rPr>
+                <a:t>ARIMA</a:t>
+              </a:r>
+              <a:endParaRPr lang="ko-KR" altLang="en-US" sz="1200" dirty="0">
                 <a:solidFill>
                   <a:schemeClr val="tx1"/>
                 </a:solidFill>
-              </a:rPr>
-              <a:t>Data</a:t>
-            </a:r>
-            <a:endParaRPr lang="ko-KR" altLang="en-US" sz="1200" dirty="0">
-              <a:solidFill>
-                <a:schemeClr val="tx1"/>
-              </a:solidFill>
-            </a:endParaRPr>
-          </a:p>
-        </p:txBody>
-      </p:sp>
-      <p:sp>
-        <p:nvSpPr>
-          <p:cNvPr id="10" name="직사각형 9">
-            <a:extLst>
-              <a:ext uri="{FF2B5EF4-FFF2-40B4-BE49-F238E27FC236}">
-                <a16:creationId xmlns:a16="http://schemas.microsoft.com/office/drawing/2014/main" id="{61F83136-1EA7-6A2C-2098-5A2015EF3ACB}"/>
-              </a:ext>
-            </a:extLst>
-          </p:cNvPr>
-          <p:cNvSpPr/>
-          <p:nvPr/>
-        </p:nvSpPr>
-        <p:spPr>
-          <a:xfrm>
-            <a:off x="5229897" y="854439"/>
-            <a:ext cx="1260000" cy="540000"/>
-          </a:xfrm>
-          <a:prstGeom prst="rect">
-            <a:avLst/>
-          </a:prstGeom>
-          <a:noFill/>
-        </p:spPr>
-        <p:style>
-          <a:lnRef idx="2">
-            <a:schemeClr val="accent1">
-              <a:shade val="50000"/>
-            </a:schemeClr>
-          </a:lnRef>
-          <a:fillRef idx="1">
-            <a:schemeClr val="accent1"/>
-          </a:fillRef>
-          <a:effectRef idx="0">
-            <a:schemeClr val="accent1"/>
-          </a:effectRef>
-          <a:fontRef idx="minor">
-            <a:schemeClr val="lt1"/>
-          </a:fontRef>
-        </p:style>
-        <p:txBody>
-          <a:bodyPr rtlCol="0" anchor="ctr"/>
-          <a:lstStyle/>
-          <a:p>
-            <a:pPr algn="ctr"/>
-            <a:r>
-              <a:rPr lang="en-US" altLang="ko-KR" sz="1200" dirty="0">
+              </a:endParaRPr>
+            </a:p>
+          </p:txBody>
+        </p:sp>
+        <p:sp>
+          <p:nvSpPr>
+            <p:cNvPr id="14" name="사각형: 둥근 모서리 13">
+              <a:extLst>
+                <a:ext uri="{FF2B5EF4-FFF2-40B4-BE49-F238E27FC236}">
+                  <a16:creationId xmlns:a16="http://schemas.microsoft.com/office/drawing/2014/main" id="{3E34F9B0-A37E-E823-C51B-29DD871C741C}"/>
+                </a:ext>
+              </a:extLst>
+            </p:cNvPr>
+            <p:cNvSpPr/>
+            <p:nvPr/>
+          </p:nvSpPr>
+          <p:spPr>
+            <a:xfrm>
+              <a:off x="6063109" y="2619455"/>
+              <a:ext cx="1260000" cy="809546"/>
+            </a:xfrm>
+            <a:prstGeom prst="roundRect">
+              <a:avLst/>
+            </a:prstGeom>
+            <a:noFill/>
+          </p:spPr>
+          <p:style>
+            <a:lnRef idx="2">
+              <a:schemeClr val="accent1">
+                <a:shade val="50000"/>
+              </a:schemeClr>
+            </a:lnRef>
+            <a:fillRef idx="1">
+              <a:schemeClr val="accent1"/>
+            </a:fillRef>
+            <a:effectRef idx="0">
+              <a:schemeClr val="accent1"/>
+            </a:effectRef>
+            <a:fontRef idx="minor">
+              <a:schemeClr val="lt1"/>
+            </a:fontRef>
+          </p:style>
+          <p:txBody>
+            <a:bodyPr rtlCol="0" anchor="ctr"/>
+            <a:lstStyle/>
+            <a:p>
+              <a:pPr algn="ctr"/>
+              <a:r>
+                <a:rPr lang="en-US" altLang="ko-KR" sz="1200" dirty="0">
+                  <a:solidFill>
+                    <a:schemeClr val="tx1"/>
+                  </a:solidFill>
+                </a:rPr>
+                <a:t>MLP</a:t>
+              </a:r>
+              <a:endParaRPr lang="ko-KR" altLang="en-US" sz="1200" dirty="0">
                 <a:solidFill>
                   <a:schemeClr val="tx1"/>
                 </a:solidFill>
-              </a:rPr>
-              <a:t>K-means</a:t>
-            </a:r>
-          </a:p>
-          <a:p>
-            <a:pPr algn="ctr"/>
-            <a:r>
-              <a:rPr lang="en-US" altLang="ko-KR" sz="1200" dirty="0">
+              </a:endParaRPr>
+            </a:p>
+          </p:txBody>
+        </p:sp>
+        <p:sp>
+          <p:nvSpPr>
+            <p:cNvPr id="16" name="사각형: 둥근 모서리 15">
+              <a:extLst>
+                <a:ext uri="{FF2B5EF4-FFF2-40B4-BE49-F238E27FC236}">
+                  <a16:creationId xmlns:a16="http://schemas.microsoft.com/office/drawing/2014/main" id="{433BA208-FF27-AC62-452D-5E087344AB59}"/>
+                </a:ext>
+              </a:extLst>
+            </p:cNvPr>
+            <p:cNvSpPr/>
+            <p:nvPr/>
+          </p:nvSpPr>
+          <p:spPr>
+            <a:xfrm>
+              <a:off x="6063109" y="3493498"/>
+              <a:ext cx="1260000" cy="705892"/>
+            </a:xfrm>
+            <a:prstGeom prst="roundRect">
+              <a:avLst/>
+            </a:prstGeom>
+            <a:noFill/>
+          </p:spPr>
+          <p:style>
+            <a:lnRef idx="2">
+              <a:schemeClr val="accent1">
+                <a:shade val="50000"/>
+              </a:schemeClr>
+            </a:lnRef>
+            <a:fillRef idx="1">
+              <a:schemeClr val="accent1"/>
+            </a:fillRef>
+            <a:effectRef idx="0">
+              <a:schemeClr val="accent1"/>
+            </a:effectRef>
+            <a:fontRef idx="minor">
+              <a:schemeClr val="lt1"/>
+            </a:fontRef>
+          </p:style>
+          <p:txBody>
+            <a:bodyPr rtlCol="0" anchor="ctr"/>
+            <a:lstStyle/>
+            <a:p>
+              <a:pPr algn="ctr"/>
+              <a:r>
+                <a:rPr lang="en-US" altLang="ko-KR" sz="1200" dirty="0">
+                  <a:solidFill>
+                    <a:schemeClr val="tx1"/>
+                  </a:solidFill>
+                </a:rPr>
+                <a:t>LSTM</a:t>
+              </a:r>
+              <a:endParaRPr lang="ko-KR" altLang="en-US" sz="1200" dirty="0">
                 <a:solidFill>
                   <a:schemeClr val="tx1"/>
                 </a:solidFill>
-              </a:rPr>
-              <a:t>Clustering</a:t>
-            </a:r>
-            <a:endParaRPr lang="ko-KR" altLang="en-US" sz="1200" dirty="0">
-              <a:solidFill>
-                <a:schemeClr val="tx1"/>
-              </a:solidFill>
-            </a:endParaRPr>
-          </a:p>
-        </p:txBody>
-      </p:sp>
-      <p:sp>
-        <p:nvSpPr>
-          <p:cNvPr id="11" name="직사각형 10">
-            <a:extLst>
-              <a:ext uri="{FF2B5EF4-FFF2-40B4-BE49-F238E27FC236}">
-                <a16:creationId xmlns:a16="http://schemas.microsoft.com/office/drawing/2014/main" id="{660DAF54-57D7-FD94-F5C8-CB41A455EA2A}"/>
-              </a:ext>
-            </a:extLst>
-          </p:cNvPr>
-          <p:cNvSpPr/>
-          <p:nvPr/>
-        </p:nvSpPr>
-        <p:spPr>
-          <a:xfrm>
-            <a:off x="4058168" y="2751048"/>
-            <a:ext cx="1260000" cy="540000"/>
-          </a:xfrm>
-          <a:prstGeom prst="rect">
-            <a:avLst/>
-          </a:prstGeom>
-          <a:noFill/>
-        </p:spPr>
-        <p:style>
-          <a:lnRef idx="2">
-            <a:schemeClr val="accent1">
-              <a:shade val="50000"/>
-            </a:schemeClr>
-          </a:lnRef>
-          <a:fillRef idx="1">
-            <a:schemeClr val="accent1"/>
-          </a:fillRef>
-          <a:effectRef idx="0">
-            <a:schemeClr val="accent1"/>
-          </a:effectRef>
-          <a:fontRef idx="minor">
-            <a:schemeClr val="lt1"/>
-          </a:fontRef>
-        </p:style>
-        <p:txBody>
-          <a:bodyPr rtlCol="0" anchor="ctr"/>
-          <a:lstStyle/>
-          <a:p>
-            <a:pPr algn="ctr"/>
-            <a:r>
-              <a:rPr lang="en-US" altLang="ko-KR" sz="1200" dirty="0">
+              </a:endParaRPr>
+            </a:p>
+          </p:txBody>
+        </p:sp>
+        <p:sp>
+          <p:nvSpPr>
+            <p:cNvPr id="17" name="직사각형 16">
+              <a:extLst>
+                <a:ext uri="{FF2B5EF4-FFF2-40B4-BE49-F238E27FC236}">
+                  <a16:creationId xmlns:a16="http://schemas.microsoft.com/office/drawing/2014/main" id="{267C391C-1E3A-9681-A339-BE87DD853CEC}"/>
+                </a:ext>
+              </a:extLst>
+            </p:cNvPr>
+            <p:cNvSpPr/>
+            <p:nvPr/>
+          </p:nvSpPr>
+          <p:spPr>
+            <a:xfrm>
+              <a:off x="8202960" y="1824990"/>
+              <a:ext cx="1260000" cy="540000"/>
+            </a:xfrm>
+            <a:prstGeom prst="rect">
+              <a:avLst/>
+            </a:prstGeom>
+            <a:noFill/>
+          </p:spPr>
+          <p:style>
+            <a:lnRef idx="2">
+              <a:schemeClr val="accent1">
+                <a:shade val="50000"/>
+              </a:schemeClr>
+            </a:lnRef>
+            <a:fillRef idx="1">
+              <a:schemeClr val="accent1"/>
+            </a:fillRef>
+            <a:effectRef idx="0">
+              <a:schemeClr val="accent1"/>
+            </a:effectRef>
+            <a:fontRef idx="minor">
+              <a:schemeClr val="lt1"/>
+            </a:fontRef>
+          </p:style>
+          <p:txBody>
+            <a:bodyPr rtlCol="0" anchor="ctr"/>
+            <a:lstStyle/>
+            <a:p>
+              <a:pPr algn="ctr"/>
+              <a:r>
+                <a:rPr lang="en-US" altLang="ko-KR" sz="1200" dirty="0">
+                  <a:solidFill>
+                    <a:schemeClr val="tx1"/>
+                  </a:solidFill>
+                </a:rPr>
+                <a:t>Model</a:t>
+              </a:r>
+            </a:p>
+            <a:p>
+              <a:pPr algn="ctr"/>
+              <a:r>
+                <a:rPr lang="en-US" altLang="ko-KR" sz="1200" dirty="0">
+                  <a:solidFill>
+                    <a:schemeClr val="tx1"/>
+                  </a:solidFill>
+                </a:rPr>
+                <a:t>Comparison</a:t>
+              </a:r>
+              <a:endParaRPr lang="ko-KR" altLang="en-US" sz="1200" dirty="0">
                 <a:solidFill>
                   <a:schemeClr val="tx1"/>
                 </a:solidFill>
-              </a:rPr>
-              <a:t>Feature Extraction</a:t>
-            </a:r>
-            <a:endParaRPr lang="ko-KR" altLang="en-US" sz="1200" dirty="0">
-              <a:solidFill>
-                <a:schemeClr val="tx1"/>
-              </a:solidFill>
-            </a:endParaRPr>
-          </a:p>
-        </p:txBody>
-      </p:sp>
-      <p:sp>
-        <p:nvSpPr>
-          <p:cNvPr id="12" name="사각형: 둥근 모서리 11">
-            <a:extLst>
-              <a:ext uri="{FF2B5EF4-FFF2-40B4-BE49-F238E27FC236}">
-                <a16:creationId xmlns:a16="http://schemas.microsoft.com/office/drawing/2014/main" id="{8226B08B-8D86-C6A7-949E-D2CD170E25F8}"/>
-              </a:ext>
-            </a:extLst>
-          </p:cNvPr>
-          <p:cNvSpPr/>
-          <p:nvPr/>
-        </p:nvSpPr>
-        <p:spPr>
-          <a:xfrm>
-            <a:off x="6063109" y="1829156"/>
-            <a:ext cx="1260000" cy="720970"/>
-          </a:xfrm>
-          <a:prstGeom prst="roundRect">
-            <a:avLst/>
-          </a:prstGeom>
-          <a:noFill/>
-        </p:spPr>
-        <p:style>
-          <a:lnRef idx="2">
-            <a:schemeClr val="accent1">
-              <a:shade val="50000"/>
-            </a:schemeClr>
-          </a:lnRef>
-          <a:fillRef idx="1">
-            <a:schemeClr val="accent1"/>
-          </a:fillRef>
-          <a:effectRef idx="0">
-            <a:schemeClr val="accent1"/>
-          </a:effectRef>
-          <a:fontRef idx="minor">
-            <a:schemeClr val="lt1"/>
-          </a:fontRef>
-        </p:style>
-        <p:txBody>
-          <a:bodyPr rtlCol="0" anchor="ctr"/>
-          <a:lstStyle/>
-          <a:p>
-            <a:pPr algn="ctr"/>
-            <a:r>
-              <a:rPr lang="en-US" altLang="ko-KR" sz="1200" dirty="0">
+              </a:endParaRPr>
+            </a:p>
+          </p:txBody>
+        </p:sp>
+        <p:sp>
+          <p:nvSpPr>
+            <p:cNvPr id="18" name="직사각형 17">
+              <a:extLst>
+                <a:ext uri="{FF2B5EF4-FFF2-40B4-BE49-F238E27FC236}">
+                  <a16:creationId xmlns:a16="http://schemas.microsoft.com/office/drawing/2014/main" id="{2BC0A6D3-FDDD-0550-00D6-5F69931D589F}"/>
+                </a:ext>
+              </a:extLst>
+            </p:cNvPr>
+            <p:cNvSpPr/>
+            <p:nvPr/>
+          </p:nvSpPr>
+          <p:spPr>
+            <a:xfrm>
+              <a:off x="10003034" y="1824990"/>
+              <a:ext cx="1260000" cy="540000"/>
+            </a:xfrm>
+            <a:prstGeom prst="rect">
+              <a:avLst/>
+            </a:prstGeom>
+            <a:noFill/>
+          </p:spPr>
+          <p:style>
+            <a:lnRef idx="2">
+              <a:schemeClr val="accent1">
+                <a:shade val="50000"/>
+              </a:schemeClr>
+            </a:lnRef>
+            <a:fillRef idx="1">
+              <a:schemeClr val="accent1"/>
+            </a:fillRef>
+            <a:effectRef idx="0">
+              <a:schemeClr val="accent1"/>
+            </a:effectRef>
+            <a:fontRef idx="minor">
+              <a:schemeClr val="lt1"/>
+            </a:fontRef>
+          </p:style>
+          <p:txBody>
+            <a:bodyPr rtlCol="0" anchor="ctr"/>
+            <a:lstStyle/>
+            <a:p>
+              <a:pPr algn="ctr"/>
+              <a:r>
+                <a:rPr lang="en-US" altLang="ko-KR" sz="1200" dirty="0">
+                  <a:solidFill>
+                    <a:schemeClr val="tx1"/>
+                  </a:solidFill>
+                </a:rPr>
+                <a:t>Optimal Model</a:t>
+              </a:r>
+              <a:endParaRPr lang="ko-KR" altLang="en-US" sz="1200" dirty="0">
                 <a:solidFill>
                   <a:schemeClr val="tx1"/>
                 </a:solidFill>
-              </a:rPr>
-              <a:t>ARIMA</a:t>
-            </a:r>
-            <a:endParaRPr lang="ko-KR" altLang="en-US" sz="1200" dirty="0">
-              <a:solidFill>
-                <a:schemeClr val="tx1"/>
-              </a:solidFill>
-            </a:endParaRPr>
-          </a:p>
-        </p:txBody>
-      </p:sp>
-      <p:sp>
-        <p:nvSpPr>
-          <p:cNvPr id="14" name="사각형: 둥근 모서리 13">
-            <a:extLst>
-              <a:ext uri="{FF2B5EF4-FFF2-40B4-BE49-F238E27FC236}">
-                <a16:creationId xmlns:a16="http://schemas.microsoft.com/office/drawing/2014/main" id="{3E34F9B0-A37E-E823-C51B-29DD871C741C}"/>
-              </a:ext>
-            </a:extLst>
-          </p:cNvPr>
-          <p:cNvSpPr/>
-          <p:nvPr/>
-        </p:nvSpPr>
-        <p:spPr>
-          <a:xfrm>
-            <a:off x="6063109" y="2619455"/>
-            <a:ext cx="1260000" cy="809546"/>
-          </a:xfrm>
-          <a:prstGeom prst="roundRect">
-            <a:avLst/>
-          </a:prstGeom>
-          <a:noFill/>
-        </p:spPr>
-        <p:style>
-          <a:lnRef idx="2">
-            <a:schemeClr val="accent1">
-              <a:shade val="50000"/>
-            </a:schemeClr>
-          </a:lnRef>
-          <a:fillRef idx="1">
-            <a:schemeClr val="accent1"/>
-          </a:fillRef>
-          <a:effectRef idx="0">
-            <a:schemeClr val="accent1"/>
-          </a:effectRef>
-          <a:fontRef idx="minor">
-            <a:schemeClr val="lt1"/>
-          </a:fontRef>
-        </p:style>
-        <p:txBody>
-          <a:bodyPr rtlCol="0" anchor="ctr"/>
-          <a:lstStyle/>
-          <a:p>
-            <a:pPr algn="ctr"/>
-            <a:r>
-              <a:rPr lang="en-US" altLang="ko-KR" sz="1200" dirty="0">
+              </a:endParaRPr>
+            </a:p>
+          </p:txBody>
+        </p:sp>
+        <p:sp>
+          <p:nvSpPr>
+            <p:cNvPr id="19" name="사각형: 둥근 모서리 18">
+              <a:extLst>
+                <a:ext uri="{FF2B5EF4-FFF2-40B4-BE49-F238E27FC236}">
+                  <a16:creationId xmlns:a16="http://schemas.microsoft.com/office/drawing/2014/main" id="{6608B0B9-DEE9-5A05-4DE4-1CEB38F4FE67}"/>
+                </a:ext>
+              </a:extLst>
+            </p:cNvPr>
+            <p:cNvSpPr/>
+            <p:nvPr/>
+          </p:nvSpPr>
+          <p:spPr>
+            <a:xfrm>
+              <a:off x="1828802" y="5171516"/>
+              <a:ext cx="1260000" cy="540000"/>
+            </a:xfrm>
+            <a:prstGeom prst="roundRect">
+              <a:avLst/>
+            </a:prstGeom>
+            <a:noFill/>
+          </p:spPr>
+          <p:style>
+            <a:lnRef idx="2">
+              <a:schemeClr val="accent1">
+                <a:shade val="50000"/>
+              </a:schemeClr>
+            </a:lnRef>
+            <a:fillRef idx="1">
+              <a:schemeClr val="accent1"/>
+            </a:fillRef>
+            <a:effectRef idx="0">
+              <a:schemeClr val="accent1"/>
+            </a:effectRef>
+            <a:fontRef idx="minor">
+              <a:schemeClr val="lt1"/>
+            </a:fontRef>
+          </p:style>
+          <p:txBody>
+            <a:bodyPr rtlCol="0" anchor="ctr"/>
+            <a:lstStyle/>
+            <a:p>
+              <a:pPr algn="ctr"/>
+              <a:r>
+                <a:rPr lang="en-US" altLang="ko-KR" sz="1000" dirty="0" err="1">
+                  <a:solidFill>
+                    <a:schemeClr val="tx1"/>
+                  </a:solidFill>
+                </a:rPr>
+                <a:t>Socar</a:t>
+              </a:r>
+              <a:r>
+                <a:rPr lang="en-US" altLang="ko-KR" sz="1000" dirty="0">
+                  <a:solidFill>
+                    <a:schemeClr val="tx1"/>
+                  </a:solidFill>
+                </a:rPr>
+                <a:t> Data,</a:t>
+              </a:r>
+            </a:p>
+            <a:p>
+              <a:pPr algn="ctr"/>
+              <a:r>
+                <a:rPr lang="ko-KR" altLang="en-US" sz="1000" dirty="0">
+                  <a:solidFill>
+                    <a:schemeClr val="tx1"/>
+                  </a:solidFill>
+                </a:rPr>
+                <a:t>외부 </a:t>
+              </a:r>
+              <a:r>
+                <a:rPr lang="en-US" altLang="ko-KR" sz="1000" dirty="0">
+                  <a:solidFill>
+                    <a:schemeClr val="tx1"/>
+                  </a:solidFill>
+                </a:rPr>
+                <a:t>Data</a:t>
+              </a:r>
+              <a:endParaRPr lang="ko-KR" altLang="en-US" sz="1000" dirty="0">
                 <a:solidFill>
                   <a:schemeClr val="tx1"/>
                 </a:solidFill>
-              </a:rPr>
-              <a:t>MLP</a:t>
-            </a:r>
-            <a:endParaRPr lang="ko-KR" altLang="en-US" sz="1200" dirty="0">
-              <a:solidFill>
-                <a:schemeClr val="tx1"/>
-              </a:solidFill>
-            </a:endParaRPr>
-          </a:p>
-        </p:txBody>
-      </p:sp>
-      <p:sp>
-        <p:nvSpPr>
-          <p:cNvPr id="16" name="사각형: 둥근 모서리 15">
-            <a:extLst>
-              <a:ext uri="{FF2B5EF4-FFF2-40B4-BE49-F238E27FC236}">
-                <a16:creationId xmlns:a16="http://schemas.microsoft.com/office/drawing/2014/main" id="{433BA208-FF27-AC62-452D-5E087344AB59}"/>
-              </a:ext>
-            </a:extLst>
-          </p:cNvPr>
-          <p:cNvSpPr/>
-          <p:nvPr/>
-        </p:nvSpPr>
-        <p:spPr>
-          <a:xfrm>
-            <a:off x="6063109" y="3493498"/>
-            <a:ext cx="1260000" cy="705892"/>
-          </a:xfrm>
-          <a:prstGeom prst="roundRect">
-            <a:avLst/>
-          </a:prstGeom>
-          <a:noFill/>
-        </p:spPr>
-        <p:style>
-          <a:lnRef idx="2">
-            <a:schemeClr val="accent1">
-              <a:shade val="50000"/>
-            </a:schemeClr>
-          </a:lnRef>
-          <a:fillRef idx="1">
-            <a:schemeClr val="accent1"/>
-          </a:fillRef>
-          <a:effectRef idx="0">
-            <a:schemeClr val="accent1"/>
-          </a:effectRef>
-          <a:fontRef idx="minor">
-            <a:schemeClr val="lt1"/>
-          </a:fontRef>
-        </p:style>
-        <p:txBody>
-          <a:bodyPr rtlCol="0" anchor="ctr"/>
-          <a:lstStyle/>
-          <a:p>
-            <a:pPr algn="ctr"/>
-            <a:r>
-              <a:rPr lang="en-US" altLang="ko-KR" sz="1200" dirty="0">
+              </a:endParaRPr>
+            </a:p>
+          </p:txBody>
+        </p:sp>
+        <p:sp>
+          <p:nvSpPr>
+            <p:cNvPr id="20" name="직사각형 19">
+              <a:extLst>
+                <a:ext uri="{FF2B5EF4-FFF2-40B4-BE49-F238E27FC236}">
+                  <a16:creationId xmlns:a16="http://schemas.microsoft.com/office/drawing/2014/main" id="{355A5232-B34E-18DE-0F46-8FAFA1EBEDB1}"/>
+                </a:ext>
+              </a:extLst>
+            </p:cNvPr>
+            <p:cNvSpPr/>
+            <p:nvPr/>
+          </p:nvSpPr>
+          <p:spPr>
+            <a:xfrm>
+              <a:off x="3872360" y="5171516"/>
+              <a:ext cx="1260000" cy="540000"/>
+            </a:xfrm>
+            <a:prstGeom prst="rect">
+              <a:avLst/>
+            </a:prstGeom>
+            <a:noFill/>
+          </p:spPr>
+          <p:style>
+            <a:lnRef idx="2">
+              <a:schemeClr val="accent1">
+                <a:shade val="50000"/>
+              </a:schemeClr>
+            </a:lnRef>
+            <a:fillRef idx="1">
+              <a:schemeClr val="accent1"/>
+            </a:fillRef>
+            <a:effectRef idx="0">
+              <a:schemeClr val="accent1"/>
+            </a:effectRef>
+            <a:fontRef idx="minor">
+              <a:schemeClr val="lt1"/>
+            </a:fontRef>
+          </p:style>
+          <p:txBody>
+            <a:bodyPr rtlCol="0" anchor="ctr"/>
+            <a:lstStyle/>
+            <a:p>
+              <a:pPr algn="ctr"/>
+              <a:r>
+                <a:rPr lang="en-US" altLang="ko-KR" sz="1200" dirty="0">
+                  <a:solidFill>
+                    <a:schemeClr val="tx1"/>
+                  </a:solidFill>
+                </a:rPr>
+                <a:t>Feature Extraction</a:t>
+              </a:r>
+              <a:endParaRPr lang="ko-KR" altLang="en-US" sz="1200" dirty="0">
                 <a:solidFill>
                   <a:schemeClr val="tx1"/>
                 </a:solidFill>
-              </a:rPr>
-              <a:t>LSTM</a:t>
-            </a:r>
-            <a:endParaRPr lang="ko-KR" altLang="en-US" sz="1200" dirty="0">
-              <a:solidFill>
-                <a:schemeClr val="tx1"/>
-              </a:solidFill>
-            </a:endParaRPr>
-          </a:p>
-        </p:txBody>
-      </p:sp>
-      <p:sp>
-        <p:nvSpPr>
-          <p:cNvPr id="17" name="직사각형 16">
-            <a:extLst>
-              <a:ext uri="{FF2B5EF4-FFF2-40B4-BE49-F238E27FC236}">
-                <a16:creationId xmlns:a16="http://schemas.microsoft.com/office/drawing/2014/main" id="{267C391C-1E3A-9681-A339-BE87DD853CEC}"/>
-              </a:ext>
-            </a:extLst>
-          </p:cNvPr>
-          <p:cNvSpPr/>
-          <p:nvPr/>
-        </p:nvSpPr>
-        <p:spPr>
-          <a:xfrm>
-            <a:off x="8202960" y="1824990"/>
-            <a:ext cx="1260000" cy="540000"/>
-          </a:xfrm>
-          <a:prstGeom prst="rect">
-            <a:avLst/>
-          </a:prstGeom>
-          <a:noFill/>
-        </p:spPr>
-        <p:style>
-          <a:lnRef idx="2">
-            <a:schemeClr val="accent1">
-              <a:shade val="50000"/>
-            </a:schemeClr>
-          </a:lnRef>
-          <a:fillRef idx="1">
-            <a:schemeClr val="accent1"/>
-          </a:fillRef>
-          <a:effectRef idx="0">
-            <a:schemeClr val="accent1"/>
-          </a:effectRef>
-          <a:fontRef idx="minor">
-            <a:schemeClr val="lt1"/>
-          </a:fontRef>
-        </p:style>
-        <p:txBody>
-          <a:bodyPr rtlCol="0" anchor="ctr"/>
-          <a:lstStyle/>
-          <a:p>
-            <a:pPr algn="ctr"/>
-            <a:r>
-              <a:rPr lang="en-US" altLang="ko-KR" sz="1200" dirty="0">
+              </a:endParaRPr>
+            </a:p>
+          </p:txBody>
+        </p:sp>
+        <p:sp>
+          <p:nvSpPr>
+            <p:cNvPr id="21" name="직사각형 20">
+              <a:extLst>
+                <a:ext uri="{FF2B5EF4-FFF2-40B4-BE49-F238E27FC236}">
+                  <a16:creationId xmlns:a16="http://schemas.microsoft.com/office/drawing/2014/main" id="{A1F3A7BF-2D41-2450-2082-79C0EAAA9D30}"/>
+                </a:ext>
+              </a:extLst>
+            </p:cNvPr>
+            <p:cNvSpPr/>
+            <p:nvPr/>
+          </p:nvSpPr>
+          <p:spPr>
+            <a:xfrm>
+              <a:off x="5915918" y="5171516"/>
+              <a:ext cx="1260000" cy="540000"/>
+            </a:xfrm>
+            <a:prstGeom prst="rect">
+              <a:avLst/>
+            </a:prstGeom>
+            <a:noFill/>
+          </p:spPr>
+          <p:style>
+            <a:lnRef idx="2">
+              <a:schemeClr val="accent1">
+                <a:shade val="50000"/>
+              </a:schemeClr>
+            </a:lnRef>
+            <a:fillRef idx="1">
+              <a:schemeClr val="accent1"/>
+            </a:fillRef>
+            <a:effectRef idx="0">
+              <a:schemeClr val="accent1"/>
+            </a:effectRef>
+            <a:fontRef idx="minor">
+              <a:schemeClr val="lt1"/>
+            </a:fontRef>
+          </p:style>
+          <p:txBody>
+            <a:bodyPr rtlCol="0" anchor="ctr"/>
+            <a:lstStyle/>
+            <a:p>
+              <a:pPr algn="ctr"/>
+              <a:r>
+                <a:rPr lang="en-US" altLang="ko-KR" sz="1200" dirty="0">
+                  <a:solidFill>
+                    <a:schemeClr val="tx1"/>
+                  </a:solidFill>
+                </a:rPr>
+                <a:t>Cluster Classification</a:t>
+              </a:r>
+              <a:endParaRPr lang="ko-KR" altLang="en-US" sz="1200" dirty="0">
                 <a:solidFill>
                   <a:schemeClr val="tx1"/>
                 </a:solidFill>
-              </a:rPr>
-              <a:t>Model</a:t>
-            </a:r>
-          </a:p>
-          <a:p>
-            <a:pPr algn="ctr"/>
-            <a:r>
-              <a:rPr lang="en-US" altLang="ko-KR" sz="1200" dirty="0">
+              </a:endParaRPr>
+            </a:p>
+          </p:txBody>
+        </p:sp>
+        <p:sp>
+          <p:nvSpPr>
+            <p:cNvPr id="23" name="사각형: 둥근 모서리 22">
+              <a:extLst>
+                <a:ext uri="{FF2B5EF4-FFF2-40B4-BE49-F238E27FC236}">
+                  <a16:creationId xmlns:a16="http://schemas.microsoft.com/office/drawing/2014/main" id="{84BB7E32-0AED-8091-3C6D-CFCCA7B9267D}"/>
+                </a:ext>
+              </a:extLst>
+            </p:cNvPr>
+            <p:cNvSpPr/>
+            <p:nvPr/>
+          </p:nvSpPr>
+          <p:spPr>
+            <a:xfrm>
+              <a:off x="7959476" y="5171516"/>
+              <a:ext cx="1260000" cy="540000"/>
+            </a:xfrm>
+            <a:prstGeom prst="roundRect">
+              <a:avLst/>
+            </a:prstGeom>
+            <a:noFill/>
+          </p:spPr>
+          <p:style>
+            <a:lnRef idx="2">
+              <a:schemeClr val="accent1">
+                <a:shade val="50000"/>
+              </a:schemeClr>
+            </a:lnRef>
+            <a:fillRef idx="1">
+              <a:schemeClr val="accent1"/>
+            </a:fillRef>
+            <a:effectRef idx="0">
+              <a:schemeClr val="accent1"/>
+            </a:effectRef>
+            <a:fontRef idx="minor">
+              <a:schemeClr val="lt1"/>
+            </a:fontRef>
+          </p:style>
+          <p:txBody>
+            <a:bodyPr rtlCol="0" anchor="ctr"/>
+            <a:lstStyle/>
+            <a:p>
+              <a:pPr algn="ctr"/>
+              <a:r>
+                <a:rPr lang="en-US" altLang="ko-KR" sz="1200" dirty="0">
+                  <a:solidFill>
+                    <a:schemeClr val="tx1"/>
+                  </a:solidFill>
+                </a:rPr>
+                <a:t>Optimal Model</a:t>
+              </a:r>
+              <a:endParaRPr lang="ko-KR" altLang="en-US" sz="1200" dirty="0">
                 <a:solidFill>
                   <a:schemeClr val="tx1"/>
                 </a:solidFill>
-              </a:rPr>
-              <a:t>Comparison</a:t>
-            </a:r>
-            <a:endParaRPr lang="ko-KR" altLang="en-US" sz="1200" dirty="0">
-              <a:solidFill>
-                <a:schemeClr val="tx1"/>
-              </a:solidFill>
-            </a:endParaRPr>
-          </a:p>
-        </p:txBody>
-      </p:sp>
-      <p:sp>
-        <p:nvSpPr>
-          <p:cNvPr id="18" name="직사각형 17">
-            <a:extLst>
-              <a:ext uri="{FF2B5EF4-FFF2-40B4-BE49-F238E27FC236}">
-                <a16:creationId xmlns:a16="http://schemas.microsoft.com/office/drawing/2014/main" id="{2BC0A6D3-FDDD-0550-00D6-5F69931D589F}"/>
-              </a:ext>
-            </a:extLst>
-          </p:cNvPr>
-          <p:cNvSpPr/>
-          <p:nvPr/>
-        </p:nvSpPr>
-        <p:spPr>
-          <a:xfrm>
-            <a:off x="10003034" y="1824990"/>
-            <a:ext cx="1260000" cy="540000"/>
-          </a:xfrm>
-          <a:prstGeom prst="rect">
-            <a:avLst/>
-          </a:prstGeom>
-          <a:noFill/>
-        </p:spPr>
-        <p:style>
-          <a:lnRef idx="2">
-            <a:schemeClr val="accent1">
-              <a:shade val="50000"/>
-            </a:schemeClr>
-          </a:lnRef>
-          <a:fillRef idx="1">
-            <a:schemeClr val="accent1"/>
-          </a:fillRef>
-          <a:effectRef idx="0">
-            <a:schemeClr val="accent1"/>
-          </a:effectRef>
-          <a:fontRef idx="minor">
-            <a:schemeClr val="lt1"/>
-          </a:fontRef>
-        </p:style>
-        <p:txBody>
-          <a:bodyPr rtlCol="0" anchor="ctr"/>
-          <a:lstStyle/>
-          <a:p>
-            <a:pPr algn="ctr"/>
-            <a:r>
-              <a:rPr lang="en-US" altLang="ko-KR" sz="1200" dirty="0">
+              </a:endParaRPr>
+            </a:p>
+          </p:txBody>
+        </p:sp>
+        <p:sp>
+          <p:nvSpPr>
+            <p:cNvPr id="24" name="사각형: 둥근 모서리 23">
+              <a:extLst>
+                <a:ext uri="{FF2B5EF4-FFF2-40B4-BE49-F238E27FC236}">
+                  <a16:creationId xmlns:a16="http://schemas.microsoft.com/office/drawing/2014/main" id="{C8027159-B896-77E2-1012-E25C8AF7DFB1}"/>
+                </a:ext>
+              </a:extLst>
+            </p:cNvPr>
+            <p:cNvSpPr/>
+            <p:nvPr/>
+          </p:nvSpPr>
+          <p:spPr>
+            <a:xfrm>
+              <a:off x="10003034" y="5171516"/>
+              <a:ext cx="1260000" cy="540000"/>
+            </a:xfrm>
+            <a:prstGeom prst="roundRect">
+              <a:avLst/>
+            </a:prstGeom>
+            <a:noFill/>
+          </p:spPr>
+          <p:style>
+            <a:lnRef idx="2">
+              <a:schemeClr val="accent1">
+                <a:shade val="50000"/>
+              </a:schemeClr>
+            </a:lnRef>
+            <a:fillRef idx="1">
+              <a:schemeClr val="accent1"/>
+            </a:fillRef>
+            <a:effectRef idx="0">
+              <a:schemeClr val="accent1"/>
+            </a:effectRef>
+            <a:fontRef idx="minor">
+              <a:schemeClr val="lt1"/>
+            </a:fontRef>
+          </p:style>
+          <p:txBody>
+            <a:bodyPr rtlCol="0" anchor="ctr"/>
+            <a:lstStyle/>
+            <a:p>
+              <a:pPr algn="ctr"/>
+              <a:r>
+                <a:rPr lang="en-US" altLang="ko-KR" sz="1200" dirty="0" err="1">
+                  <a:solidFill>
+                    <a:schemeClr val="tx1"/>
+                  </a:solidFill>
+                </a:rPr>
+                <a:t>Focrcasting</a:t>
+              </a:r>
+              <a:endParaRPr lang="en-US" altLang="ko-KR" sz="1200" dirty="0">
                 <a:solidFill>
                   <a:schemeClr val="tx1"/>
                 </a:solidFill>
-              </a:rPr>
-              <a:t>Optimal Model</a:t>
-            </a:r>
-            <a:endParaRPr lang="ko-KR" altLang="en-US" sz="1200" dirty="0">
-              <a:solidFill>
-                <a:schemeClr val="tx1"/>
-              </a:solidFill>
-            </a:endParaRPr>
-          </a:p>
-        </p:txBody>
-      </p:sp>
-      <p:sp>
-        <p:nvSpPr>
-          <p:cNvPr id="19" name="사각형: 둥근 모서리 18">
-            <a:extLst>
-              <a:ext uri="{FF2B5EF4-FFF2-40B4-BE49-F238E27FC236}">
-                <a16:creationId xmlns:a16="http://schemas.microsoft.com/office/drawing/2014/main" id="{6608B0B9-DEE9-5A05-4DE4-1CEB38F4FE67}"/>
-              </a:ext>
-            </a:extLst>
-          </p:cNvPr>
-          <p:cNvSpPr/>
-          <p:nvPr/>
-        </p:nvSpPr>
-        <p:spPr>
-          <a:xfrm>
-            <a:off x="1828802" y="5171516"/>
-            <a:ext cx="1260000" cy="540000"/>
-          </a:xfrm>
-          <a:prstGeom prst="roundRect">
-            <a:avLst/>
-          </a:prstGeom>
-          <a:noFill/>
-        </p:spPr>
-        <p:style>
-          <a:lnRef idx="2">
-            <a:schemeClr val="accent1">
-              <a:shade val="50000"/>
-            </a:schemeClr>
-          </a:lnRef>
-          <a:fillRef idx="1">
-            <a:schemeClr val="accent1"/>
-          </a:fillRef>
-          <a:effectRef idx="0">
-            <a:schemeClr val="accent1"/>
-          </a:effectRef>
-          <a:fontRef idx="minor">
-            <a:schemeClr val="lt1"/>
-          </a:fontRef>
-        </p:style>
-        <p:txBody>
-          <a:bodyPr rtlCol="0" anchor="ctr"/>
-          <a:lstStyle/>
-          <a:p>
-            <a:pPr algn="ctr"/>
-            <a:r>
-              <a:rPr lang="en-US" altLang="ko-KR" sz="1000" dirty="0" err="1">
+              </a:endParaRPr>
+            </a:p>
+            <a:p>
+              <a:pPr algn="ctr"/>
+              <a:r>
+                <a:rPr lang="en-US" altLang="ko-KR" sz="1200" dirty="0">
+                  <a:solidFill>
+                    <a:schemeClr val="tx1"/>
+                  </a:solidFill>
+                </a:rPr>
+                <a:t>Result</a:t>
+              </a:r>
+              <a:endParaRPr lang="ko-KR" altLang="en-US" sz="1200" dirty="0">
                 <a:solidFill>
                   <a:schemeClr val="tx1"/>
                 </a:solidFill>
-              </a:rPr>
-              <a:t>Socar</a:t>
-            </a:r>
-            <a:r>
-              <a:rPr lang="en-US" altLang="ko-KR" sz="1000" dirty="0">
-                <a:solidFill>
-                  <a:schemeClr val="tx1"/>
-                </a:solidFill>
-              </a:rPr>
-              <a:t> Data,</a:t>
-            </a:r>
-          </a:p>
-          <a:p>
-            <a:pPr algn="ctr"/>
-            <a:r>
-              <a:rPr lang="ko-KR" altLang="en-US" sz="1000" dirty="0">
-                <a:solidFill>
-                  <a:schemeClr val="tx1"/>
-                </a:solidFill>
-              </a:rPr>
-              <a:t>외부 </a:t>
-            </a:r>
-            <a:r>
-              <a:rPr lang="en-US" altLang="ko-KR" sz="1000" dirty="0">
-                <a:solidFill>
-                  <a:schemeClr val="tx1"/>
-                </a:solidFill>
-              </a:rPr>
-              <a:t>Data</a:t>
-            </a:r>
-            <a:endParaRPr lang="ko-KR" altLang="en-US" sz="1000" dirty="0">
+              </a:endParaRPr>
+            </a:p>
+          </p:txBody>
+        </p:sp>
+        <p:sp>
+          <p:nvSpPr>
+            <p:cNvPr id="25" name="사각형: 둥근 모서리 24">
+              <a:extLst>
+                <a:ext uri="{FF2B5EF4-FFF2-40B4-BE49-F238E27FC236}">
+                  <a16:creationId xmlns:a16="http://schemas.microsoft.com/office/drawing/2014/main" id="{783FEF61-4430-6ED7-CE97-FD4F86E23D0B}"/>
+                </a:ext>
+              </a:extLst>
+            </p:cNvPr>
+            <p:cNvSpPr/>
+            <p:nvPr/>
+          </p:nvSpPr>
+          <p:spPr>
+            <a:xfrm>
+              <a:off x="3222885" y="719525"/>
+              <a:ext cx="3462728" cy="796986"/>
+            </a:xfrm>
+            <a:prstGeom prst="roundRect">
+              <a:avLst/>
+            </a:prstGeom>
+            <a:noFill/>
+            <a:ln>
               <a:solidFill>
-                <a:schemeClr val="tx1"/>
+                <a:schemeClr val="accent1">
+                  <a:shade val="50000"/>
+                </a:schemeClr>
               </a:solidFill>
-            </a:endParaRPr>
-          </a:p>
-        </p:txBody>
-      </p:sp>
-      <p:sp>
-        <p:nvSpPr>
-          <p:cNvPr id="20" name="직사각형 19">
-            <a:extLst>
-              <a:ext uri="{FF2B5EF4-FFF2-40B4-BE49-F238E27FC236}">
-                <a16:creationId xmlns:a16="http://schemas.microsoft.com/office/drawing/2014/main" id="{355A5232-B34E-18DE-0F46-8FAFA1EBEDB1}"/>
-              </a:ext>
-            </a:extLst>
-          </p:cNvPr>
-          <p:cNvSpPr/>
-          <p:nvPr/>
-        </p:nvSpPr>
-        <p:spPr>
-          <a:xfrm>
-            <a:off x="3872360" y="5171516"/>
-            <a:ext cx="1260000" cy="540000"/>
-          </a:xfrm>
-          <a:prstGeom prst="rect">
-            <a:avLst/>
-          </a:prstGeom>
-          <a:noFill/>
-        </p:spPr>
-        <p:style>
-          <a:lnRef idx="2">
-            <a:schemeClr val="accent1">
-              <a:shade val="50000"/>
-            </a:schemeClr>
-          </a:lnRef>
-          <a:fillRef idx="1">
-            <a:schemeClr val="accent1"/>
-          </a:fillRef>
-          <a:effectRef idx="0">
-            <a:schemeClr val="accent1"/>
-          </a:effectRef>
-          <a:fontRef idx="minor">
-            <a:schemeClr val="lt1"/>
-          </a:fontRef>
-        </p:style>
-        <p:txBody>
-          <a:bodyPr rtlCol="0" anchor="ctr"/>
-          <a:lstStyle/>
-          <a:p>
-            <a:pPr algn="ctr"/>
-            <a:r>
-              <a:rPr lang="en-US" altLang="ko-KR" sz="1200" dirty="0">
-                <a:solidFill>
-                  <a:schemeClr val="tx1"/>
-                </a:solidFill>
-              </a:rPr>
-              <a:t>Feature Extraction</a:t>
-            </a:r>
-            <a:endParaRPr lang="ko-KR" altLang="en-US" sz="1200" dirty="0">
-              <a:solidFill>
-                <a:schemeClr val="tx1"/>
-              </a:solidFill>
-            </a:endParaRPr>
-          </a:p>
-        </p:txBody>
-      </p:sp>
-      <p:sp>
-        <p:nvSpPr>
-          <p:cNvPr id="21" name="직사각형 20">
-            <a:extLst>
-              <a:ext uri="{FF2B5EF4-FFF2-40B4-BE49-F238E27FC236}">
-                <a16:creationId xmlns:a16="http://schemas.microsoft.com/office/drawing/2014/main" id="{A1F3A7BF-2D41-2450-2082-79C0EAAA9D30}"/>
-              </a:ext>
-            </a:extLst>
-          </p:cNvPr>
-          <p:cNvSpPr/>
-          <p:nvPr/>
-        </p:nvSpPr>
-        <p:spPr>
-          <a:xfrm>
-            <a:off x="5915918" y="5171516"/>
-            <a:ext cx="1260000" cy="540000"/>
-          </a:xfrm>
-          <a:prstGeom prst="rect">
-            <a:avLst/>
-          </a:prstGeom>
-          <a:noFill/>
-        </p:spPr>
-        <p:style>
-          <a:lnRef idx="2">
-            <a:schemeClr val="accent1">
-              <a:shade val="50000"/>
-            </a:schemeClr>
-          </a:lnRef>
-          <a:fillRef idx="1">
-            <a:schemeClr val="accent1"/>
-          </a:fillRef>
-          <a:effectRef idx="0">
-            <a:schemeClr val="accent1"/>
-          </a:effectRef>
-          <a:fontRef idx="minor">
-            <a:schemeClr val="lt1"/>
-          </a:fontRef>
-        </p:style>
-        <p:txBody>
-          <a:bodyPr rtlCol="0" anchor="ctr"/>
-          <a:lstStyle/>
-          <a:p>
-            <a:pPr algn="ctr"/>
-            <a:r>
-              <a:rPr lang="en-US" altLang="ko-KR" sz="1200" dirty="0">
-                <a:solidFill>
-                  <a:schemeClr val="tx1"/>
-                </a:solidFill>
-              </a:rPr>
-              <a:t>Cluster Classification</a:t>
-            </a:r>
-            <a:endParaRPr lang="ko-KR" altLang="en-US" sz="1200" dirty="0">
-              <a:solidFill>
-                <a:schemeClr val="tx1"/>
-              </a:solidFill>
-            </a:endParaRPr>
-          </a:p>
-        </p:txBody>
-      </p:sp>
-      <p:sp>
-        <p:nvSpPr>
-          <p:cNvPr id="23" name="사각형: 둥근 모서리 22">
-            <a:extLst>
-              <a:ext uri="{FF2B5EF4-FFF2-40B4-BE49-F238E27FC236}">
-                <a16:creationId xmlns:a16="http://schemas.microsoft.com/office/drawing/2014/main" id="{84BB7E32-0AED-8091-3C6D-CFCCA7B9267D}"/>
-              </a:ext>
-            </a:extLst>
-          </p:cNvPr>
-          <p:cNvSpPr/>
-          <p:nvPr/>
-        </p:nvSpPr>
-        <p:spPr>
-          <a:xfrm>
-            <a:off x="7959476" y="5171516"/>
-            <a:ext cx="1260000" cy="540000"/>
-          </a:xfrm>
-          <a:prstGeom prst="roundRect">
-            <a:avLst/>
-          </a:prstGeom>
-          <a:noFill/>
-        </p:spPr>
-        <p:style>
-          <a:lnRef idx="2">
-            <a:schemeClr val="accent1">
-              <a:shade val="50000"/>
-            </a:schemeClr>
-          </a:lnRef>
-          <a:fillRef idx="1">
-            <a:schemeClr val="accent1"/>
-          </a:fillRef>
-          <a:effectRef idx="0">
-            <a:schemeClr val="accent1"/>
-          </a:effectRef>
-          <a:fontRef idx="minor">
-            <a:schemeClr val="lt1"/>
-          </a:fontRef>
-        </p:style>
-        <p:txBody>
-          <a:bodyPr rtlCol="0" anchor="ctr"/>
-          <a:lstStyle/>
-          <a:p>
-            <a:pPr algn="ctr"/>
-            <a:r>
-              <a:rPr lang="en-US" altLang="ko-KR" sz="1200" dirty="0">
-                <a:solidFill>
-                  <a:schemeClr val="tx1"/>
-                </a:solidFill>
-              </a:rPr>
-              <a:t>Optimal Model</a:t>
-            </a:r>
-            <a:endParaRPr lang="ko-KR" altLang="en-US" sz="1200" dirty="0">
-              <a:solidFill>
-                <a:schemeClr val="tx1"/>
-              </a:solidFill>
-            </a:endParaRPr>
-          </a:p>
-        </p:txBody>
-      </p:sp>
-      <p:sp>
-        <p:nvSpPr>
-          <p:cNvPr id="24" name="사각형: 둥근 모서리 23">
-            <a:extLst>
-              <a:ext uri="{FF2B5EF4-FFF2-40B4-BE49-F238E27FC236}">
-                <a16:creationId xmlns:a16="http://schemas.microsoft.com/office/drawing/2014/main" id="{C8027159-B896-77E2-1012-E25C8AF7DFB1}"/>
-              </a:ext>
-            </a:extLst>
-          </p:cNvPr>
-          <p:cNvSpPr/>
-          <p:nvPr/>
-        </p:nvSpPr>
-        <p:spPr>
-          <a:xfrm>
-            <a:off x="10003034" y="5171516"/>
-            <a:ext cx="1260000" cy="540000"/>
-          </a:xfrm>
-          <a:prstGeom prst="roundRect">
-            <a:avLst/>
-          </a:prstGeom>
-          <a:noFill/>
-        </p:spPr>
-        <p:style>
-          <a:lnRef idx="2">
-            <a:schemeClr val="accent1">
-              <a:shade val="50000"/>
-            </a:schemeClr>
-          </a:lnRef>
-          <a:fillRef idx="1">
-            <a:schemeClr val="accent1"/>
-          </a:fillRef>
-          <a:effectRef idx="0">
-            <a:schemeClr val="accent1"/>
-          </a:effectRef>
-          <a:fontRef idx="minor">
-            <a:schemeClr val="lt1"/>
-          </a:fontRef>
-        </p:style>
-        <p:txBody>
-          <a:bodyPr rtlCol="0" anchor="ctr"/>
-          <a:lstStyle/>
-          <a:p>
-            <a:pPr algn="ctr"/>
-            <a:r>
-              <a:rPr lang="en-US" altLang="ko-KR" sz="1200" dirty="0" err="1">
-                <a:solidFill>
-                  <a:schemeClr val="tx1"/>
-                </a:solidFill>
-              </a:rPr>
-              <a:t>Focrcasting</a:t>
-            </a:r>
-            <a:endParaRPr lang="en-US" altLang="ko-KR" sz="1200" dirty="0">
-              <a:solidFill>
-                <a:schemeClr val="tx1"/>
-              </a:solidFill>
-            </a:endParaRPr>
-          </a:p>
-          <a:p>
-            <a:pPr algn="ctr"/>
-            <a:r>
-              <a:rPr lang="en-US" altLang="ko-KR" sz="1200" dirty="0">
-                <a:solidFill>
-                  <a:schemeClr val="tx1"/>
-                </a:solidFill>
-              </a:rPr>
-              <a:t>Result</a:t>
-            </a:r>
-            <a:endParaRPr lang="ko-KR" altLang="en-US" sz="1200" dirty="0">
-              <a:solidFill>
-                <a:schemeClr val="tx1"/>
-              </a:solidFill>
-            </a:endParaRPr>
-          </a:p>
-        </p:txBody>
-      </p:sp>
-      <p:sp>
-        <p:nvSpPr>
-          <p:cNvPr id="25" name="사각형: 둥근 모서리 24">
-            <a:extLst>
-              <a:ext uri="{FF2B5EF4-FFF2-40B4-BE49-F238E27FC236}">
-                <a16:creationId xmlns:a16="http://schemas.microsoft.com/office/drawing/2014/main" id="{783FEF61-4430-6ED7-CE97-FD4F86E23D0B}"/>
-              </a:ext>
-            </a:extLst>
-          </p:cNvPr>
-          <p:cNvSpPr/>
-          <p:nvPr/>
-        </p:nvSpPr>
-        <p:spPr>
-          <a:xfrm>
-            <a:off x="3222885" y="719525"/>
-            <a:ext cx="3462728" cy="796986"/>
-          </a:xfrm>
-          <a:prstGeom prst="roundRect">
-            <a:avLst/>
-          </a:prstGeom>
-          <a:noFill/>
-          <a:ln>
-            <a:solidFill>
+              <a:prstDash val="sysDash"/>
+            </a:ln>
+          </p:spPr>
+          <p:style>
+            <a:lnRef idx="2">
               <a:schemeClr val="accent1">
                 <a:shade val="50000"/>
               </a:schemeClr>
-            </a:solidFill>
-            <a:prstDash val="sysDash"/>
-          </a:ln>
-        </p:spPr>
-        <p:style>
-          <a:lnRef idx="2">
-            <a:schemeClr val="accent1">
-              <a:shade val="50000"/>
-            </a:schemeClr>
-          </a:lnRef>
-          <a:fillRef idx="1">
-            <a:schemeClr val="accent1"/>
-          </a:fillRef>
-          <a:effectRef idx="0">
-            <a:schemeClr val="accent1"/>
-          </a:effectRef>
-          <a:fontRef idx="minor">
-            <a:schemeClr val="lt1"/>
-          </a:fontRef>
-        </p:style>
-        <p:txBody>
-          <a:bodyPr rtlCol="0" anchor="ctr"/>
-          <a:lstStyle/>
-          <a:p>
-            <a:pPr algn="ctr"/>
-            <a:endParaRPr lang="ko-KR" altLang="en-US"/>
-          </a:p>
-        </p:txBody>
-      </p:sp>
-      <p:sp>
-        <p:nvSpPr>
-          <p:cNvPr id="26" name="사각형: 둥근 모서리 25">
-            <a:extLst>
-              <a:ext uri="{FF2B5EF4-FFF2-40B4-BE49-F238E27FC236}">
-                <a16:creationId xmlns:a16="http://schemas.microsoft.com/office/drawing/2014/main" id="{87469916-0194-DF11-C4CF-5989ABA7C8BC}"/>
-              </a:ext>
-            </a:extLst>
-          </p:cNvPr>
-          <p:cNvSpPr/>
-          <p:nvPr/>
-        </p:nvSpPr>
-        <p:spPr>
-          <a:xfrm>
-            <a:off x="3872360" y="1642585"/>
-            <a:ext cx="3901308" cy="2734539"/>
-          </a:xfrm>
-          <a:prstGeom prst="roundRect">
-            <a:avLst/>
-          </a:prstGeom>
-          <a:noFill/>
-          <a:ln>
-            <a:solidFill>
+            </a:lnRef>
+            <a:fillRef idx="1">
+              <a:schemeClr val="accent1"/>
+            </a:fillRef>
+            <a:effectRef idx="0">
+              <a:schemeClr val="accent1"/>
+            </a:effectRef>
+            <a:fontRef idx="minor">
+              <a:schemeClr val="lt1"/>
+            </a:fontRef>
+          </p:style>
+          <p:txBody>
+            <a:bodyPr rtlCol="0" anchor="ctr"/>
+            <a:lstStyle/>
+            <a:p>
+              <a:pPr algn="ctr"/>
+              <a:endParaRPr lang="ko-KR" altLang="en-US"/>
+            </a:p>
+          </p:txBody>
+        </p:sp>
+        <p:sp>
+          <p:nvSpPr>
+            <p:cNvPr id="26" name="사각형: 둥근 모서리 25">
+              <a:extLst>
+                <a:ext uri="{FF2B5EF4-FFF2-40B4-BE49-F238E27FC236}">
+                  <a16:creationId xmlns:a16="http://schemas.microsoft.com/office/drawing/2014/main" id="{87469916-0194-DF11-C4CF-5989ABA7C8BC}"/>
+                </a:ext>
+              </a:extLst>
+            </p:cNvPr>
+            <p:cNvSpPr/>
+            <p:nvPr/>
+          </p:nvSpPr>
+          <p:spPr>
+            <a:xfrm>
+              <a:off x="3872360" y="1642585"/>
+              <a:ext cx="3901308" cy="2734539"/>
+            </a:xfrm>
+            <a:prstGeom prst="roundRect">
+              <a:avLst/>
+            </a:prstGeom>
+            <a:noFill/>
+            <a:ln>
+              <a:solidFill>
+                <a:schemeClr val="accent1">
+                  <a:shade val="50000"/>
+                </a:schemeClr>
+              </a:solidFill>
+              <a:prstDash val="sysDash"/>
+            </a:ln>
+          </p:spPr>
+          <p:style>
+            <a:lnRef idx="2">
               <a:schemeClr val="accent1">
                 <a:shade val="50000"/>
               </a:schemeClr>
-            </a:solidFill>
-            <a:prstDash val="sysDash"/>
-          </a:ln>
-        </p:spPr>
-        <p:style>
-          <a:lnRef idx="2">
-            <a:schemeClr val="accent1">
-              <a:shade val="50000"/>
-            </a:schemeClr>
-          </a:lnRef>
-          <a:fillRef idx="1">
-            <a:schemeClr val="accent1"/>
-          </a:fillRef>
-          <a:effectRef idx="0">
-            <a:schemeClr val="accent1"/>
-          </a:effectRef>
-          <a:fontRef idx="minor">
-            <a:schemeClr val="lt1"/>
-          </a:fontRef>
-        </p:style>
-        <p:txBody>
-          <a:bodyPr rtlCol="0" anchor="ctr"/>
-          <a:lstStyle/>
-          <a:p>
-            <a:pPr algn="ctr"/>
-            <a:endParaRPr lang="ko-KR" altLang="en-US"/>
-          </a:p>
-        </p:txBody>
-      </p:sp>
-      <p:cxnSp>
-        <p:nvCxnSpPr>
-          <p:cNvPr id="33" name="직선 화살표 연결선 32">
-            <a:extLst>
-              <a:ext uri="{FF2B5EF4-FFF2-40B4-BE49-F238E27FC236}">
-                <a16:creationId xmlns:a16="http://schemas.microsoft.com/office/drawing/2014/main" id="{F10938C6-D34C-0F0E-AEE3-912904489F7C}"/>
-              </a:ext>
-            </a:extLst>
-          </p:cNvPr>
-          <p:cNvCxnSpPr>
-            <a:stCxn id="8" idx="3"/>
-            <a:endCxn id="10" idx="1"/>
-          </p:cNvCxnSpPr>
-          <p:nvPr/>
-        </p:nvCxnSpPr>
-        <p:spPr>
-          <a:xfrm>
-            <a:off x="4647777" y="1124439"/>
-            <a:ext cx="582120" cy="0"/>
-          </a:xfrm>
-          <a:prstGeom prst="straightConnector1">
-            <a:avLst/>
-          </a:prstGeom>
-          <a:ln>
-            <a:tailEnd type="triangle"/>
-          </a:ln>
-        </p:spPr>
-        <p:style>
-          <a:lnRef idx="1">
-            <a:schemeClr val="accent1"/>
-          </a:lnRef>
-          <a:fillRef idx="0">
-            <a:schemeClr val="accent1"/>
-          </a:fillRef>
-          <a:effectRef idx="0">
-            <a:schemeClr val="accent1"/>
-          </a:effectRef>
-          <a:fontRef idx="minor">
-            <a:schemeClr val="tx1"/>
-          </a:fontRef>
-        </p:style>
-      </p:cxnSp>
-      <p:cxnSp>
-        <p:nvCxnSpPr>
-          <p:cNvPr id="35" name="연결선: 꺾임 34">
-            <a:extLst>
-              <a:ext uri="{FF2B5EF4-FFF2-40B4-BE49-F238E27FC236}">
-                <a16:creationId xmlns:a16="http://schemas.microsoft.com/office/drawing/2014/main" id="{F8B6158D-D7A5-8CAD-18A7-08A610AA15F6}"/>
-              </a:ext>
-            </a:extLst>
-          </p:cNvPr>
-          <p:cNvCxnSpPr>
-            <a:stCxn id="9" idx="2"/>
-            <a:endCxn id="26" idx="1"/>
-          </p:cNvCxnSpPr>
-          <p:nvPr/>
-        </p:nvCxnSpPr>
-        <p:spPr>
-          <a:xfrm rot="16200000" flipH="1">
-            <a:off x="3062409" y="2199904"/>
-            <a:ext cx="206344" cy="1413558"/>
-          </a:xfrm>
-          <a:prstGeom prst="bentConnector2">
-            <a:avLst/>
-          </a:prstGeom>
-          <a:ln>
-            <a:tailEnd type="triangle"/>
-          </a:ln>
-        </p:spPr>
-        <p:style>
-          <a:lnRef idx="1">
-            <a:schemeClr val="accent1"/>
-          </a:lnRef>
-          <a:fillRef idx="0">
-            <a:schemeClr val="accent1"/>
-          </a:fillRef>
-          <a:effectRef idx="0">
-            <a:schemeClr val="accent1"/>
-          </a:effectRef>
-          <a:fontRef idx="minor">
-            <a:schemeClr val="tx1"/>
-          </a:fontRef>
-        </p:style>
-      </p:cxnSp>
-      <p:cxnSp>
-        <p:nvCxnSpPr>
-          <p:cNvPr id="37" name="직선 화살표 연결선 36">
-            <a:extLst>
-              <a:ext uri="{FF2B5EF4-FFF2-40B4-BE49-F238E27FC236}">
-                <a16:creationId xmlns:a16="http://schemas.microsoft.com/office/drawing/2014/main" id="{166558D5-C2B1-EFEB-2596-F63D51884670}"/>
-              </a:ext>
-            </a:extLst>
-          </p:cNvPr>
-          <p:cNvCxnSpPr>
-            <a:cxnSpLocks/>
-            <a:stCxn id="11" idx="3"/>
-            <a:endCxn id="14" idx="1"/>
-          </p:cNvCxnSpPr>
-          <p:nvPr/>
-        </p:nvCxnSpPr>
-        <p:spPr>
-          <a:xfrm>
-            <a:off x="5318168" y="3021048"/>
-            <a:ext cx="744941" cy="3180"/>
-          </a:xfrm>
-          <a:prstGeom prst="straightConnector1">
-            <a:avLst/>
-          </a:prstGeom>
-          <a:ln>
-            <a:tailEnd type="triangle"/>
-          </a:ln>
-        </p:spPr>
-        <p:style>
-          <a:lnRef idx="1">
-            <a:schemeClr val="accent1"/>
-          </a:lnRef>
-          <a:fillRef idx="0">
-            <a:schemeClr val="accent1"/>
-          </a:fillRef>
-          <a:effectRef idx="0">
-            <a:schemeClr val="accent1"/>
-          </a:effectRef>
-          <a:fontRef idx="minor">
-            <a:schemeClr val="tx1"/>
-          </a:fontRef>
-        </p:style>
-      </p:cxnSp>
-      <p:cxnSp>
-        <p:nvCxnSpPr>
-          <p:cNvPr id="39" name="연결선: 꺾임 38">
-            <a:extLst>
-              <a:ext uri="{FF2B5EF4-FFF2-40B4-BE49-F238E27FC236}">
-                <a16:creationId xmlns:a16="http://schemas.microsoft.com/office/drawing/2014/main" id="{CA99F79B-C0F3-F65B-AE2B-FC4C6C46C56E}"/>
-              </a:ext>
-            </a:extLst>
-          </p:cNvPr>
-          <p:cNvCxnSpPr>
-            <a:stCxn id="26" idx="3"/>
-            <a:endCxn id="17" idx="2"/>
-          </p:cNvCxnSpPr>
-          <p:nvPr/>
-        </p:nvCxnSpPr>
-        <p:spPr>
-          <a:xfrm flipV="1">
-            <a:off x="7773668" y="2364990"/>
-            <a:ext cx="1059292" cy="644865"/>
-          </a:xfrm>
-          <a:prstGeom prst="bentConnector2">
-            <a:avLst/>
-          </a:prstGeom>
-          <a:ln>
-            <a:tailEnd type="triangle"/>
-          </a:ln>
-        </p:spPr>
-        <p:style>
-          <a:lnRef idx="1">
-            <a:schemeClr val="accent1"/>
-          </a:lnRef>
-          <a:fillRef idx="0">
-            <a:schemeClr val="accent1"/>
-          </a:fillRef>
-          <a:effectRef idx="0">
-            <a:schemeClr val="accent1"/>
-          </a:effectRef>
-          <a:fontRef idx="minor">
-            <a:schemeClr val="tx1"/>
-          </a:fontRef>
-        </p:style>
-      </p:cxnSp>
-      <p:cxnSp>
-        <p:nvCxnSpPr>
-          <p:cNvPr id="41" name="직선 화살표 연결선 40">
-            <a:extLst>
-              <a:ext uri="{FF2B5EF4-FFF2-40B4-BE49-F238E27FC236}">
-                <a16:creationId xmlns:a16="http://schemas.microsoft.com/office/drawing/2014/main" id="{273A2A92-6A91-C9BE-551B-20A9703EF876}"/>
-              </a:ext>
-            </a:extLst>
-          </p:cNvPr>
-          <p:cNvCxnSpPr>
-            <a:stCxn id="17" idx="3"/>
-            <a:endCxn id="18" idx="1"/>
-          </p:cNvCxnSpPr>
-          <p:nvPr/>
-        </p:nvCxnSpPr>
-        <p:spPr>
-          <a:xfrm>
-            <a:off x="9462960" y="2094990"/>
-            <a:ext cx="540074" cy="0"/>
-          </a:xfrm>
-          <a:prstGeom prst="straightConnector1">
-            <a:avLst/>
-          </a:prstGeom>
-          <a:ln>
-            <a:tailEnd type="triangle"/>
-          </a:ln>
-        </p:spPr>
-        <p:style>
-          <a:lnRef idx="1">
-            <a:schemeClr val="accent1"/>
-          </a:lnRef>
-          <a:fillRef idx="0">
-            <a:schemeClr val="accent1"/>
-          </a:fillRef>
-          <a:effectRef idx="0">
-            <a:schemeClr val="accent1"/>
-          </a:effectRef>
-          <a:fontRef idx="minor">
-            <a:schemeClr val="tx1"/>
-          </a:fontRef>
-        </p:style>
-      </p:cxnSp>
-      <p:cxnSp>
-        <p:nvCxnSpPr>
-          <p:cNvPr id="43" name="직선 화살표 연결선 42">
-            <a:extLst>
-              <a:ext uri="{FF2B5EF4-FFF2-40B4-BE49-F238E27FC236}">
-                <a16:creationId xmlns:a16="http://schemas.microsoft.com/office/drawing/2014/main" id="{7B191687-A6B6-0069-6E17-C4BFAEC41DBF}"/>
-              </a:ext>
-            </a:extLst>
-          </p:cNvPr>
-          <p:cNvCxnSpPr>
-            <a:stCxn id="19" idx="3"/>
-            <a:endCxn id="20" idx="1"/>
-          </p:cNvCxnSpPr>
-          <p:nvPr/>
-        </p:nvCxnSpPr>
-        <p:spPr>
-          <a:xfrm>
-            <a:off x="3088802" y="5441516"/>
-            <a:ext cx="783558" cy="0"/>
-          </a:xfrm>
-          <a:prstGeom prst="straightConnector1">
-            <a:avLst/>
-          </a:prstGeom>
-          <a:ln>
-            <a:tailEnd type="triangle"/>
-          </a:ln>
-        </p:spPr>
-        <p:style>
-          <a:lnRef idx="1">
-            <a:schemeClr val="accent1"/>
-          </a:lnRef>
-          <a:fillRef idx="0">
-            <a:schemeClr val="accent1"/>
-          </a:fillRef>
-          <a:effectRef idx="0">
-            <a:schemeClr val="accent1"/>
-          </a:effectRef>
-          <a:fontRef idx="minor">
-            <a:schemeClr val="tx1"/>
-          </a:fontRef>
-        </p:style>
-      </p:cxnSp>
-      <p:cxnSp>
-        <p:nvCxnSpPr>
-          <p:cNvPr id="45" name="직선 화살표 연결선 44">
-            <a:extLst>
-              <a:ext uri="{FF2B5EF4-FFF2-40B4-BE49-F238E27FC236}">
-                <a16:creationId xmlns:a16="http://schemas.microsoft.com/office/drawing/2014/main" id="{BE99E92F-F25A-A430-676D-3DDB651F1B36}"/>
-              </a:ext>
-            </a:extLst>
-          </p:cNvPr>
-          <p:cNvCxnSpPr>
-            <a:stCxn id="20" idx="3"/>
-            <a:endCxn id="21" idx="1"/>
-          </p:cNvCxnSpPr>
-          <p:nvPr/>
-        </p:nvCxnSpPr>
-        <p:spPr>
-          <a:xfrm>
-            <a:off x="5132360" y="5441516"/>
-            <a:ext cx="783558" cy="0"/>
-          </a:xfrm>
-          <a:prstGeom prst="straightConnector1">
-            <a:avLst/>
-          </a:prstGeom>
-          <a:ln>
-            <a:tailEnd type="triangle"/>
-          </a:ln>
-        </p:spPr>
-        <p:style>
-          <a:lnRef idx="1">
-            <a:schemeClr val="accent1"/>
-          </a:lnRef>
-          <a:fillRef idx="0">
-            <a:schemeClr val="accent1"/>
-          </a:fillRef>
-          <a:effectRef idx="0">
-            <a:schemeClr val="accent1"/>
-          </a:effectRef>
-          <a:fontRef idx="minor">
-            <a:schemeClr val="tx1"/>
-          </a:fontRef>
-        </p:style>
-      </p:cxnSp>
-      <p:cxnSp>
-        <p:nvCxnSpPr>
-          <p:cNvPr id="47" name="직선 화살표 연결선 46">
-            <a:extLst>
-              <a:ext uri="{FF2B5EF4-FFF2-40B4-BE49-F238E27FC236}">
-                <a16:creationId xmlns:a16="http://schemas.microsoft.com/office/drawing/2014/main" id="{DCC5E38E-6B61-14E8-B6DC-81999A1301E6}"/>
-              </a:ext>
-            </a:extLst>
-          </p:cNvPr>
-          <p:cNvCxnSpPr>
-            <a:stCxn id="21" idx="3"/>
-            <a:endCxn id="23" idx="1"/>
-          </p:cNvCxnSpPr>
-          <p:nvPr/>
-        </p:nvCxnSpPr>
-        <p:spPr>
-          <a:xfrm>
-            <a:off x="7175918" y="5441516"/>
-            <a:ext cx="783558" cy="0"/>
-          </a:xfrm>
-          <a:prstGeom prst="straightConnector1">
-            <a:avLst/>
-          </a:prstGeom>
-          <a:ln>
-            <a:tailEnd type="triangle"/>
-          </a:ln>
-        </p:spPr>
-        <p:style>
-          <a:lnRef idx="1">
-            <a:schemeClr val="accent1"/>
-          </a:lnRef>
-          <a:fillRef idx="0">
-            <a:schemeClr val="accent1"/>
-          </a:fillRef>
-          <a:effectRef idx="0">
-            <a:schemeClr val="accent1"/>
-          </a:effectRef>
-          <a:fontRef idx="minor">
-            <a:schemeClr val="tx1"/>
-          </a:fontRef>
-        </p:style>
-      </p:cxnSp>
-      <p:cxnSp>
-        <p:nvCxnSpPr>
-          <p:cNvPr id="49" name="직선 화살표 연결선 48">
-            <a:extLst>
-              <a:ext uri="{FF2B5EF4-FFF2-40B4-BE49-F238E27FC236}">
-                <a16:creationId xmlns:a16="http://schemas.microsoft.com/office/drawing/2014/main" id="{66A4BDCF-B506-7478-6AB8-CA9A0B193599}"/>
-              </a:ext>
-            </a:extLst>
-          </p:cNvPr>
-          <p:cNvCxnSpPr>
-            <a:stCxn id="23" idx="3"/>
-            <a:endCxn id="24" idx="1"/>
-          </p:cNvCxnSpPr>
-          <p:nvPr/>
-        </p:nvCxnSpPr>
-        <p:spPr>
-          <a:xfrm>
-            <a:off x="9219476" y="5441516"/>
-            <a:ext cx="783558" cy="0"/>
-          </a:xfrm>
-          <a:prstGeom prst="straightConnector1">
-            <a:avLst/>
-          </a:prstGeom>
-          <a:ln>
-            <a:tailEnd type="triangle"/>
-          </a:ln>
-        </p:spPr>
-        <p:style>
-          <a:lnRef idx="1">
-            <a:schemeClr val="accent1"/>
-          </a:lnRef>
-          <a:fillRef idx="0">
-            <a:schemeClr val="accent1"/>
-          </a:fillRef>
-          <a:effectRef idx="0">
-            <a:schemeClr val="accent1"/>
-          </a:effectRef>
-          <a:fontRef idx="minor">
-            <a:schemeClr val="tx1"/>
-          </a:fontRef>
-        </p:style>
-      </p:cxnSp>
-      <p:sp>
-        <p:nvSpPr>
-          <p:cNvPr id="50" name="TextBox 49">
-            <a:extLst>
-              <a:ext uri="{FF2B5EF4-FFF2-40B4-BE49-F238E27FC236}">
-                <a16:creationId xmlns:a16="http://schemas.microsoft.com/office/drawing/2014/main" id="{EB3EFD28-34C0-705B-7CF2-069E0BC0E340}"/>
-              </a:ext>
-            </a:extLst>
-          </p:cNvPr>
-          <p:cNvSpPr txBox="1"/>
-          <p:nvPr/>
-        </p:nvSpPr>
-        <p:spPr>
-          <a:xfrm>
-            <a:off x="4795703" y="6321418"/>
-            <a:ext cx="2750497" cy="276999"/>
-          </a:xfrm>
-          <a:prstGeom prst="rect">
-            <a:avLst/>
-          </a:prstGeom>
-          <a:noFill/>
-        </p:spPr>
-        <p:txBody>
-          <a:bodyPr wrap="none" rtlCol="0">
-            <a:spAutoFit/>
-          </a:bodyPr>
-          <a:lstStyle/>
-          <a:p>
-            <a:pPr algn="ctr"/>
-            <a:r>
-              <a:rPr lang="en-US" altLang="ko-KR" sz="1200" dirty="0"/>
-              <a:t>&lt;Figure&gt;</a:t>
-            </a:r>
-            <a:r>
-              <a:rPr lang="ko-KR" altLang="en-US" sz="1200" dirty="0"/>
-              <a:t>군집화</a:t>
-            </a:r>
-            <a:r>
-              <a:rPr lang="en-US" altLang="ko-KR" sz="1200" dirty="0"/>
-              <a:t>-</a:t>
-            </a:r>
-            <a:r>
-              <a:rPr lang="ko-KR" altLang="en-US" sz="1200" dirty="0"/>
-              <a:t>수요 예측 모델 구조</a:t>
-            </a:r>
-          </a:p>
-        </p:txBody>
-      </p:sp>
-      <p:cxnSp>
-        <p:nvCxnSpPr>
-          <p:cNvPr id="52" name="연결선: 꺾임 51">
-            <a:extLst>
-              <a:ext uri="{FF2B5EF4-FFF2-40B4-BE49-F238E27FC236}">
-                <a16:creationId xmlns:a16="http://schemas.microsoft.com/office/drawing/2014/main" id="{82FE2A07-8110-4861-8EB8-E9704EB14DFB}"/>
-              </a:ext>
-            </a:extLst>
-          </p:cNvPr>
-          <p:cNvCxnSpPr>
-            <a:cxnSpLocks/>
-            <a:stCxn id="53" idx="0"/>
-            <a:endCxn id="25" idx="1"/>
-          </p:cNvCxnSpPr>
-          <p:nvPr/>
-        </p:nvCxnSpPr>
-        <p:spPr>
-          <a:xfrm rot="5400000" flipH="1" flipV="1">
-            <a:off x="2366009" y="1210400"/>
-            <a:ext cx="949258" cy="764494"/>
-          </a:xfrm>
-          <a:prstGeom prst="bentConnector2">
-            <a:avLst/>
-          </a:prstGeom>
-          <a:ln>
-            <a:tailEnd type="triangle"/>
-          </a:ln>
-        </p:spPr>
-        <p:style>
-          <a:lnRef idx="1">
-            <a:schemeClr val="accent1"/>
-          </a:lnRef>
-          <a:fillRef idx="0">
-            <a:schemeClr val="accent1"/>
-          </a:fillRef>
-          <a:effectRef idx="0">
-            <a:schemeClr val="accent1"/>
-          </a:effectRef>
-          <a:fontRef idx="minor">
-            <a:schemeClr val="tx1"/>
-          </a:fontRef>
-        </p:style>
-      </p:cxnSp>
-      <p:sp>
-        <p:nvSpPr>
-          <p:cNvPr id="53" name="TextBox 52">
-            <a:extLst>
-              <a:ext uri="{FF2B5EF4-FFF2-40B4-BE49-F238E27FC236}">
-                <a16:creationId xmlns:a16="http://schemas.microsoft.com/office/drawing/2014/main" id="{1C147A1D-026A-AB34-2CE0-3CEC9248F80D}"/>
-              </a:ext>
-            </a:extLst>
-          </p:cNvPr>
-          <p:cNvSpPr txBox="1"/>
-          <p:nvPr/>
-        </p:nvSpPr>
-        <p:spPr>
-          <a:xfrm>
-            <a:off x="2124806" y="2067276"/>
-            <a:ext cx="667170" cy="215444"/>
-          </a:xfrm>
-          <a:prstGeom prst="rect">
-            <a:avLst/>
-          </a:prstGeom>
-          <a:noFill/>
-        </p:spPr>
-        <p:txBody>
-          <a:bodyPr wrap="none" rtlCol="0">
-            <a:spAutoFit/>
-          </a:bodyPr>
-          <a:lstStyle/>
-          <a:p>
-            <a:r>
-              <a:rPr lang="en-US" altLang="ko-KR" sz="800" dirty="0"/>
-              <a:t>Input data</a:t>
-            </a:r>
-            <a:endParaRPr lang="ko-KR" altLang="en-US" sz="800" dirty="0"/>
-          </a:p>
-        </p:txBody>
-      </p:sp>
-      <p:sp>
-        <p:nvSpPr>
-          <p:cNvPr id="54" name="TextBox 53">
-            <a:extLst>
-              <a:ext uri="{FF2B5EF4-FFF2-40B4-BE49-F238E27FC236}">
-                <a16:creationId xmlns:a16="http://schemas.microsoft.com/office/drawing/2014/main" id="{DD6EB787-F3A6-E0DA-6893-28C29591160C}"/>
-              </a:ext>
-            </a:extLst>
-          </p:cNvPr>
-          <p:cNvSpPr txBox="1"/>
-          <p:nvPr/>
-        </p:nvSpPr>
-        <p:spPr>
-          <a:xfrm>
-            <a:off x="2124806" y="4943871"/>
-            <a:ext cx="667170" cy="215444"/>
-          </a:xfrm>
-          <a:prstGeom prst="rect">
-            <a:avLst/>
-          </a:prstGeom>
-          <a:noFill/>
-        </p:spPr>
-        <p:txBody>
-          <a:bodyPr wrap="none" rtlCol="0">
-            <a:spAutoFit/>
-          </a:bodyPr>
-          <a:lstStyle/>
-          <a:p>
-            <a:r>
-              <a:rPr lang="en-US" altLang="ko-KR" sz="800" dirty="0"/>
-              <a:t>Input data</a:t>
-            </a:r>
-            <a:endParaRPr lang="ko-KR" altLang="en-US" sz="800" dirty="0"/>
-          </a:p>
-        </p:txBody>
-      </p:sp>
-      <p:sp>
-        <p:nvSpPr>
-          <p:cNvPr id="56" name="TextBox 55">
-            <a:extLst>
-              <a:ext uri="{FF2B5EF4-FFF2-40B4-BE49-F238E27FC236}">
-                <a16:creationId xmlns:a16="http://schemas.microsoft.com/office/drawing/2014/main" id="{F324CA07-03F9-E980-502A-BC2DDA6C1573}"/>
-              </a:ext>
-            </a:extLst>
-          </p:cNvPr>
-          <p:cNvSpPr txBox="1"/>
-          <p:nvPr/>
-        </p:nvSpPr>
-        <p:spPr>
-          <a:xfrm>
-            <a:off x="8000663" y="3062433"/>
-            <a:ext cx="755335" cy="215444"/>
-          </a:xfrm>
-          <a:prstGeom prst="rect">
-            <a:avLst/>
-          </a:prstGeom>
-          <a:noFill/>
-        </p:spPr>
-        <p:txBody>
-          <a:bodyPr wrap="none" rtlCol="0">
-            <a:spAutoFit/>
-          </a:bodyPr>
-          <a:lstStyle/>
-          <a:p>
-            <a:r>
-              <a:rPr lang="en-US" altLang="ko-KR" sz="800" dirty="0"/>
-              <a:t>Output data</a:t>
-            </a:r>
-            <a:endParaRPr lang="ko-KR" altLang="en-US" sz="800" dirty="0"/>
-          </a:p>
-        </p:txBody>
-      </p:sp>
+            </a:lnRef>
+            <a:fillRef idx="1">
+              <a:schemeClr val="accent1"/>
+            </a:fillRef>
+            <a:effectRef idx="0">
+              <a:schemeClr val="accent1"/>
+            </a:effectRef>
+            <a:fontRef idx="minor">
+              <a:schemeClr val="lt1"/>
+            </a:fontRef>
+          </p:style>
+          <p:txBody>
+            <a:bodyPr rtlCol="0" anchor="ctr"/>
+            <a:lstStyle/>
+            <a:p>
+              <a:pPr algn="ctr"/>
+              <a:endParaRPr lang="ko-KR" altLang="en-US"/>
+            </a:p>
+          </p:txBody>
+        </p:sp>
+        <p:cxnSp>
+          <p:nvCxnSpPr>
+            <p:cNvPr id="33" name="직선 화살표 연결선 32">
+              <a:extLst>
+                <a:ext uri="{FF2B5EF4-FFF2-40B4-BE49-F238E27FC236}">
+                  <a16:creationId xmlns:a16="http://schemas.microsoft.com/office/drawing/2014/main" id="{F10938C6-D34C-0F0E-AEE3-912904489F7C}"/>
+                </a:ext>
+              </a:extLst>
+            </p:cNvPr>
+            <p:cNvCxnSpPr>
+              <a:stCxn id="8" idx="3"/>
+              <a:endCxn id="10" idx="1"/>
+            </p:cNvCxnSpPr>
+            <p:nvPr/>
+          </p:nvCxnSpPr>
+          <p:spPr>
+            <a:xfrm>
+              <a:off x="4647777" y="1124439"/>
+              <a:ext cx="582120" cy="0"/>
+            </a:xfrm>
+            <a:prstGeom prst="straightConnector1">
+              <a:avLst/>
+            </a:prstGeom>
+            <a:ln>
+              <a:tailEnd type="triangle"/>
+            </a:ln>
+          </p:spPr>
+          <p:style>
+            <a:lnRef idx="1">
+              <a:schemeClr val="accent1"/>
+            </a:lnRef>
+            <a:fillRef idx="0">
+              <a:schemeClr val="accent1"/>
+            </a:fillRef>
+            <a:effectRef idx="0">
+              <a:schemeClr val="accent1"/>
+            </a:effectRef>
+            <a:fontRef idx="minor">
+              <a:schemeClr val="tx1"/>
+            </a:fontRef>
+          </p:style>
+        </p:cxnSp>
+        <p:cxnSp>
+          <p:nvCxnSpPr>
+            <p:cNvPr id="35" name="연결선: 꺾임 34">
+              <a:extLst>
+                <a:ext uri="{FF2B5EF4-FFF2-40B4-BE49-F238E27FC236}">
+                  <a16:creationId xmlns:a16="http://schemas.microsoft.com/office/drawing/2014/main" id="{F8B6158D-D7A5-8CAD-18A7-08A610AA15F6}"/>
+                </a:ext>
+              </a:extLst>
+            </p:cNvPr>
+            <p:cNvCxnSpPr>
+              <a:stCxn id="9" idx="2"/>
+              <a:endCxn id="26" idx="1"/>
+            </p:cNvCxnSpPr>
+            <p:nvPr/>
+          </p:nvCxnSpPr>
+          <p:spPr>
+            <a:xfrm rot="16200000" flipH="1">
+              <a:off x="3062409" y="2199904"/>
+              <a:ext cx="206344" cy="1413558"/>
+            </a:xfrm>
+            <a:prstGeom prst="bentConnector2">
+              <a:avLst/>
+            </a:prstGeom>
+            <a:ln>
+              <a:tailEnd type="triangle"/>
+            </a:ln>
+          </p:spPr>
+          <p:style>
+            <a:lnRef idx="1">
+              <a:schemeClr val="accent1"/>
+            </a:lnRef>
+            <a:fillRef idx="0">
+              <a:schemeClr val="accent1"/>
+            </a:fillRef>
+            <a:effectRef idx="0">
+              <a:schemeClr val="accent1"/>
+            </a:effectRef>
+            <a:fontRef idx="minor">
+              <a:schemeClr val="tx1"/>
+            </a:fontRef>
+          </p:style>
+        </p:cxnSp>
+        <p:cxnSp>
+          <p:nvCxnSpPr>
+            <p:cNvPr id="37" name="직선 화살표 연결선 36">
+              <a:extLst>
+                <a:ext uri="{FF2B5EF4-FFF2-40B4-BE49-F238E27FC236}">
+                  <a16:creationId xmlns:a16="http://schemas.microsoft.com/office/drawing/2014/main" id="{166558D5-C2B1-EFEB-2596-F63D51884670}"/>
+                </a:ext>
+              </a:extLst>
+            </p:cNvPr>
+            <p:cNvCxnSpPr>
+              <a:cxnSpLocks/>
+              <a:stCxn id="11" idx="3"/>
+              <a:endCxn id="14" idx="1"/>
+            </p:cNvCxnSpPr>
+            <p:nvPr/>
+          </p:nvCxnSpPr>
+          <p:spPr>
+            <a:xfrm>
+              <a:off x="5318168" y="3021048"/>
+              <a:ext cx="744941" cy="3180"/>
+            </a:xfrm>
+            <a:prstGeom prst="straightConnector1">
+              <a:avLst/>
+            </a:prstGeom>
+            <a:ln>
+              <a:tailEnd type="triangle"/>
+            </a:ln>
+          </p:spPr>
+          <p:style>
+            <a:lnRef idx="1">
+              <a:schemeClr val="accent1"/>
+            </a:lnRef>
+            <a:fillRef idx="0">
+              <a:schemeClr val="accent1"/>
+            </a:fillRef>
+            <a:effectRef idx="0">
+              <a:schemeClr val="accent1"/>
+            </a:effectRef>
+            <a:fontRef idx="minor">
+              <a:schemeClr val="tx1"/>
+            </a:fontRef>
+          </p:style>
+        </p:cxnSp>
+        <p:cxnSp>
+          <p:nvCxnSpPr>
+            <p:cNvPr id="39" name="연결선: 꺾임 38">
+              <a:extLst>
+                <a:ext uri="{FF2B5EF4-FFF2-40B4-BE49-F238E27FC236}">
+                  <a16:creationId xmlns:a16="http://schemas.microsoft.com/office/drawing/2014/main" id="{CA99F79B-C0F3-F65B-AE2B-FC4C6C46C56E}"/>
+                </a:ext>
+              </a:extLst>
+            </p:cNvPr>
+            <p:cNvCxnSpPr>
+              <a:stCxn id="26" idx="3"/>
+              <a:endCxn id="17" idx="2"/>
+            </p:cNvCxnSpPr>
+            <p:nvPr/>
+          </p:nvCxnSpPr>
+          <p:spPr>
+            <a:xfrm flipV="1">
+              <a:off x="7773668" y="2364990"/>
+              <a:ext cx="1059292" cy="644865"/>
+            </a:xfrm>
+            <a:prstGeom prst="bentConnector2">
+              <a:avLst/>
+            </a:prstGeom>
+            <a:ln>
+              <a:tailEnd type="triangle"/>
+            </a:ln>
+          </p:spPr>
+          <p:style>
+            <a:lnRef idx="1">
+              <a:schemeClr val="accent1"/>
+            </a:lnRef>
+            <a:fillRef idx="0">
+              <a:schemeClr val="accent1"/>
+            </a:fillRef>
+            <a:effectRef idx="0">
+              <a:schemeClr val="accent1"/>
+            </a:effectRef>
+            <a:fontRef idx="minor">
+              <a:schemeClr val="tx1"/>
+            </a:fontRef>
+          </p:style>
+        </p:cxnSp>
+        <p:cxnSp>
+          <p:nvCxnSpPr>
+            <p:cNvPr id="41" name="직선 화살표 연결선 40">
+              <a:extLst>
+                <a:ext uri="{FF2B5EF4-FFF2-40B4-BE49-F238E27FC236}">
+                  <a16:creationId xmlns:a16="http://schemas.microsoft.com/office/drawing/2014/main" id="{273A2A92-6A91-C9BE-551B-20A9703EF876}"/>
+                </a:ext>
+              </a:extLst>
+            </p:cNvPr>
+            <p:cNvCxnSpPr>
+              <a:stCxn id="17" idx="3"/>
+              <a:endCxn id="18" idx="1"/>
+            </p:cNvCxnSpPr>
+            <p:nvPr/>
+          </p:nvCxnSpPr>
+          <p:spPr>
+            <a:xfrm>
+              <a:off x="9462960" y="2094990"/>
+              <a:ext cx="540074" cy="0"/>
+            </a:xfrm>
+            <a:prstGeom prst="straightConnector1">
+              <a:avLst/>
+            </a:prstGeom>
+            <a:ln>
+              <a:tailEnd type="triangle"/>
+            </a:ln>
+          </p:spPr>
+          <p:style>
+            <a:lnRef idx="1">
+              <a:schemeClr val="accent1"/>
+            </a:lnRef>
+            <a:fillRef idx="0">
+              <a:schemeClr val="accent1"/>
+            </a:fillRef>
+            <a:effectRef idx="0">
+              <a:schemeClr val="accent1"/>
+            </a:effectRef>
+            <a:fontRef idx="minor">
+              <a:schemeClr val="tx1"/>
+            </a:fontRef>
+          </p:style>
+        </p:cxnSp>
+        <p:cxnSp>
+          <p:nvCxnSpPr>
+            <p:cNvPr id="43" name="직선 화살표 연결선 42">
+              <a:extLst>
+                <a:ext uri="{FF2B5EF4-FFF2-40B4-BE49-F238E27FC236}">
+                  <a16:creationId xmlns:a16="http://schemas.microsoft.com/office/drawing/2014/main" id="{7B191687-A6B6-0069-6E17-C4BFAEC41DBF}"/>
+                </a:ext>
+              </a:extLst>
+            </p:cNvPr>
+            <p:cNvCxnSpPr>
+              <a:stCxn id="19" idx="3"/>
+              <a:endCxn id="20" idx="1"/>
+            </p:cNvCxnSpPr>
+            <p:nvPr/>
+          </p:nvCxnSpPr>
+          <p:spPr>
+            <a:xfrm>
+              <a:off x="3088802" y="5441516"/>
+              <a:ext cx="783558" cy="0"/>
+            </a:xfrm>
+            <a:prstGeom prst="straightConnector1">
+              <a:avLst/>
+            </a:prstGeom>
+            <a:ln>
+              <a:tailEnd type="triangle"/>
+            </a:ln>
+          </p:spPr>
+          <p:style>
+            <a:lnRef idx="1">
+              <a:schemeClr val="accent1"/>
+            </a:lnRef>
+            <a:fillRef idx="0">
+              <a:schemeClr val="accent1"/>
+            </a:fillRef>
+            <a:effectRef idx="0">
+              <a:schemeClr val="accent1"/>
+            </a:effectRef>
+            <a:fontRef idx="minor">
+              <a:schemeClr val="tx1"/>
+            </a:fontRef>
+          </p:style>
+        </p:cxnSp>
+        <p:cxnSp>
+          <p:nvCxnSpPr>
+            <p:cNvPr id="45" name="직선 화살표 연결선 44">
+              <a:extLst>
+                <a:ext uri="{FF2B5EF4-FFF2-40B4-BE49-F238E27FC236}">
+                  <a16:creationId xmlns:a16="http://schemas.microsoft.com/office/drawing/2014/main" id="{BE99E92F-F25A-A430-676D-3DDB651F1B36}"/>
+                </a:ext>
+              </a:extLst>
+            </p:cNvPr>
+            <p:cNvCxnSpPr>
+              <a:stCxn id="20" idx="3"/>
+              <a:endCxn id="21" idx="1"/>
+            </p:cNvCxnSpPr>
+            <p:nvPr/>
+          </p:nvCxnSpPr>
+          <p:spPr>
+            <a:xfrm>
+              <a:off x="5132360" y="5441516"/>
+              <a:ext cx="783558" cy="0"/>
+            </a:xfrm>
+            <a:prstGeom prst="straightConnector1">
+              <a:avLst/>
+            </a:prstGeom>
+            <a:ln>
+              <a:tailEnd type="triangle"/>
+            </a:ln>
+          </p:spPr>
+          <p:style>
+            <a:lnRef idx="1">
+              <a:schemeClr val="accent1"/>
+            </a:lnRef>
+            <a:fillRef idx="0">
+              <a:schemeClr val="accent1"/>
+            </a:fillRef>
+            <a:effectRef idx="0">
+              <a:schemeClr val="accent1"/>
+            </a:effectRef>
+            <a:fontRef idx="minor">
+              <a:schemeClr val="tx1"/>
+            </a:fontRef>
+          </p:style>
+        </p:cxnSp>
+        <p:cxnSp>
+          <p:nvCxnSpPr>
+            <p:cNvPr id="47" name="직선 화살표 연결선 46">
+              <a:extLst>
+                <a:ext uri="{FF2B5EF4-FFF2-40B4-BE49-F238E27FC236}">
+                  <a16:creationId xmlns:a16="http://schemas.microsoft.com/office/drawing/2014/main" id="{DCC5E38E-6B61-14E8-B6DC-81999A1301E6}"/>
+                </a:ext>
+              </a:extLst>
+            </p:cNvPr>
+            <p:cNvCxnSpPr>
+              <a:stCxn id="21" idx="3"/>
+              <a:endCxn id="23" idx="1"/>
+            </p:cNvCxnSpPr>
+            <p:nvPr/>
+          </p:nvCxnSpPr>
+          <p:spPr>
+            <a:xfrm>
+              <a:off x="7175918" y="5441516"/>
+              <a:ext cx="783558" cy="0"/>
+            </a:xfrm>
+            <a:prstGeom prst="straightConnector1">
+              <a:avLst/>
+            </a:prstGeom>
+            <a:ln>
+              <a:tailEnd type="triangle"/>
+            </a:ln>
+          </p:spPr>
+          <p:style>
+            <a:lnRef idx="1">
+              <a:schemeClr val="accent1"/>
+            </a:lnRef>
+            <a:fillRef idx="0">
+              <a:schemeClr val="accent1"/>
+            </a:fillRef>
+            <a:effectRef idx="0">
+              <a:schemeClr val="accent1"/>
+            </a:effectRef>
+            <a:fontRef idx="minor">
+              <a:schemeClr val="tx1"/>
+            </a:fontRef>
+          </p:style>
+        </p:cxnSp>
+        <p:cxnSp>
+          <p:nvCxnSpPr>
+            <p:cNvPr id="49" name="직선 화살표 연결선 48">
+              <a:extLst>
+                <a:ext uri="{FF2B5EF4-FFF2-40B4-BE49-F238E27FC236}">
+                  <a16:creationId xmlns:a16="http://schemas.microsoft.com/office/drawing/2014/main" id="{66A4BDCF-B506-7478-6AB8-CA9A0B193599}"/>
+                </a:ext>
+              </a:extLst>
+            </p:cNvPr>
+            <p:cNvCxnSpPr>
+              <a:stCxn id="23" idx="3"/>
+              <a:endCxn id="24" idx="1"/>
+            </p:cNvCxnSpPr>
+            <p:nvPr/>
+          </p:nvCxnSpPr>
+          <p:spPr>
+            <a:xfrm>
+              <a:off x="9219476" y="5441516"/>
+              <a:ext cx="783558" cy="0"/>
+            </a:xfrm>
+            <a:prstGeom prst="straightConnector1">
+              <a:avLst/>
+            </a:prstGeom>
+            <a:ln>
+              <a:tailEnd type="triangle"/>
+            </a:ln>
+          </p:spPr>
+          <p:style>
+            <a:lnRef idx="1">
+              <a:schemeClr val="accent1"/>
+            </a:lnRef>
+            <a:fillRef idx="0">
+              <a:schemeClr val="accent1"/>
+            </a:fillRef>
+            <a:effectRef idx="0">
+              <a:schemeClr val="accent1"/>
+            </a:effectRef>
+            <a:fontRef idx="minor">
+              <a:schemeClr val="tx1"/>
+            </a:fontRef>
+          </p:style>
+        </p:cxnSp>
+        <p:sp>
+          <p:nvSpPr>
+            <p:cNvPr id="50" name="TextBox 49">
+              <a:extLst>
+                <a:ext uri="{FF2B5EF4-FFF2-40B4-BE49-F238E27FC236}">
+                  <a16:creationId xmlns:a16="http://schemas.microsoft.com/office/drawing/2014/main" id="{EB3EFD28-34C0-705B-7CF2-069E0BC0E340}"/>
+                </a:ext>
+              </a:extLst>
+            </p:cNvPr>
+            <p:cNvSpPr txBox="1"/>
+            <p:nvPr/>
+          </p:nvSpPr>
+          <p:spPr>
+            <a:xfrm>
+              <a:off x="4795703" y="6321418"/>
+              <a:ext cx="2750497" cy="276999"/>
+            </a:xfrm>
+            <a:prstGeom prst="rect">
+              <a:avLst/>
+            </a:prstGeom>
+            <a:noFill/>
+          </p:spPr>
+          <p:txBody>
+            <a:bodyPr wrap="none" rtlCol="0">
+              <a:spAutoFit/>
+            </a:bodyPr>
+            <a:lstStyle/>
+            <a:p>
+              <a:pPr algn="ctr"/>
+              <a:r>
+                <a:rPr lang="en-US" altLang="ko-KR" sz="1200" dirty="0"/>
+                <a:t>&lt;Figure&gt;</a:t>
+              </a:r>
+              <a:r>
+                <a:rPr lang="ko-KR" altLang="en-US" sz="1200" dirty="0"/>
+                <a:t>군집화</a:t>
+              </a:r>
+              <a:r>
+                <a:rPr lang="en-US" altLang="ko-KR" sz="1200" dirty="0"/>
+                <a:t>-</a:t>
+              </a:r>
+              <a:r>
+                <a:rPr lang="ko-KR" altLang="en-US" sz="1200" dirty="0"/>
+                <a:t>수요 예측 모델 구조</a:t>
+              </a:r>
+            </a:p>
+          </p:txBody>
+        </p:sp>
+        <p:cxnSp>
+          <p:nvCxnSpPr>
+            <p:cNvPr id="52" name="연결선: 꺾임 51">
+              <a:extLst>
+                <a:ext uri="{FF2B5EF4-FFF2-40B4-BE49-F238E27FC236}">
+                  <a16:creationId xmlns:a16="http://schemas.microsoft.com/office/drawing/2014/main" id="{82FE2A07-8110-4861-8EB8-E9704EB14DFB}"/>
+                </a:ext>
+              </a:extLst>
+            </p:cNvPr>
+            <p:cNvCxnSpPr>
+              <a:cxnSpLocks/>
+              <a:stCxn id="53" idx="0"/>
+              <a:endCxn id="25" idx="1"/>
+            </p:cNvCxnSpPr>
+            <p:nvPr/>
+          </p:nvCxnSpPr>
+          <p:spPr>
+            <a:xfrm rot="5400000" flipH="1" flipV="1">
+              <a:off x="2366009" y="1210400"/>
+              <a:ext cx="949258" cy="764494"/>
+            </a:xfrm>
+            <a:prstGeom prst="bentConnector2">
+              <a:avLst/>
+            </a:prstGeom>
+            <a:ln>
+              <a:tailEnd type="triangle"/>
+            </a:ln>
+          </p:spPr>
+          <p:style>
+            <a:lnRef idx="1">
+              <a:schemeClr val="accent1"/>
+            </a:lnRef>
+            <a:fillRef idx="0">
+              <a:schemeClr val="accent1"/>
+            </a:fillRef>
+            <a:effectRef idx="0">
+              <a:schemeClr val="accent1"/>
+            </a:effectRef>
+            <a:fontRef idx="minor">
+              <a:schemeClr val="tx1"/>
+            </a:fontRef>
+          </p:style>
+        </p:cxnSp>
+        <p:sp>
+          <p:nvSpPr>
+            <p:cNvPr id="53" name="TextBox 52">
+              <a:extLst>
+                <a:ext uri="{FF2B5EF4-FFF2-40B4-BE49-F238E27FC236}">
+                  <a16:creationId xmlns:a16="http://schemas.microsoft.com/office/drawing/2014/main" id="{1C147A1D-026A-AB34-2CE0-3CEC9248F80D}"/>
+                </a:ext>
+              </a:extLst>
+            </p:cNvPr>
+            <p:cNvSpPr txBox="1"/>
+            <p:nvPr/>
+          </p:nvSpPr>
+          <p:spPr>
+            <a:xfrm>
+              <a:off x="2124806" y="2067276"/>
+              <a:ext cx="667170" cy="215444"/>
+            </a:xfrm>
+            <a:prstGeom prst="rect">
+              <a:avLst/>
+            </a:prstGeom>
+            <a:noFill/>
+          </p:spPr>
+          <p:txBody>
+            <a:bodyPr wrap="none" rtlCol="0">
+              <a:spAutoFit/>
+            </a:bodyPr>
+            <a:lstStyle/>
+            <a:p>
+              <a:r>
+                <a:rPr lang="en-US" altLang="ko-KR" sz="800" dirty="0"/>
+                <a:t>Input data</a:t>
+              </a:r>
+              <a:endParaRPr lang="ko-KR" altLang="en-US" sz="800" dirty="0"/>
+            </a:p>
+          </p:txBody>
+        </p:sp>
+        <p:sp>
+          <p:nvSpPr>
+            <p:cNvPr id="54" name="TextBox 53">
+              <a:extLst>
+                <a:ext uri="{FF2B5EF4-FFF2-40B4-BE49-F238E27FC236}">
+                  <a16:creationId xmlns:a16="http://schemas.microsoft.com/office/drawing/2014/main" id="{DD6EB787-F3A6-E0DA-6893-28C29591160C}"/>
+                </a:ext>
+              </a:extLst>
+            </p:cNvPr>
+            <p:cNvSpPr txBox="1"/>
+            <p:nvPr/>
+          </p:nvSpPr>
+          <p:spPr>
+            <a:xfrm>
+              <a:off x="2124806" y="4943871"/>
+              <a:ext cx="667170" cy="215444"/>
+            </a:xfrm>
+            <a:prstGeom prst="rect">
+              <a:avLst/>
+            </a:prstGeom>
+            <a:noFill/>
+          </p:spPr>
+          <p:txBody>
+            <a:bodyPr wrap="none" rtlCol="0">
+              <a:spAutoFit/>
+            </a:bodyPr>
+            <a:lstStyle/>
+            <a:p>
+              <a:r>
+                <a:rPr lang="en-US" altLang="ko-KR" sz="800" dirty="0"/>
+                <a:t>Input data</a:t>
+              </a:r>
+              <a:endParaRPr lang="ko-KR" altLang="en-US" sz="800" dirty="0"/>
+            </a:p>
+          </p:txBody>
+        </p:sp>
+        <p:sp>
+          <p:nvSpPr>
+            <p:cNvPr id="56" name="TextBox 55">
+              <a:extLst>
+                <a:ext uri="{FF2B5EF4-FFF2-40B4-BE49-F238E27FC236}">
+                  <a16:creationId xmlns:a16="http://schemas.microsoft.com/office/drawing/2014/main" id="{F324CA07-03F9-E980-502A-BC2DDA6C1573}"/>
+                </a:ext>
+              </a:extLst>
+            </p:cNvPr>
+            <p:cNvSpPr txBox="1"/>
+            <p:nvPr/>
+          </p:nvSpPr>
+          <p:spPr>
+            <a:xfrm>
+              <a:off x="8000663" y="3062433"/>
+              <a:ext cx="755335" cy="215444"/>
+            </a:xfrm>
+            <a:prstGeom prst="rect">
+              <a:avLst/>
+            </a:prstGeom>
+            <a:noFill/>
+          </p:spPr>
+          <p:txBody>
+            <a:bodyPr wrap="none" rtlCol="0">
+              <a:spAutoFit/>
+            </a:bodyPr>
+            <a:lstStyle/>
+            <a:p>
+              <a:r>
+                <a:rPr lang="en-US" altLang="ko-KR" sz="800" dirty="0"/>
+                <a:t>Output data</a:t>
+              </a:r>
+              <a:endParaRPr lang="ko-KR" altLang="en-US" sz="800" dirty="0"/>
+            </a:p>
+          </p:txBody>
+        </p:sp>
+      </p:grpSp>
     </p:spTree>
     <p:extLst>
       <p:ext uri="{BB962C8B-B14F-4D97-AF65-F5344CB8AC3E}">

--- a/2김선중/1231_mini_aiffelthon_report_duplicated_from_3김연수/090_fig1_demand_model.pptx
+++ b/2김선중/1231_mini_aiffelthon_report_duplicated_from_3김연수/090_fig1_demand_model.pptx
@@ -259,7 +259,7 @@
           <a:p>
             <a:fld id="{C489B9F7-79CF-4F22-B823-CF861A1373D1}" type="datetimeFigureOut">
               <a:rPr lang="ko-KR" altLang="en-US" smtClean="0"/>
-              <a:t>2023-01-02</a:t>
+              <a:t>2023-01-03</a:t>
             </a:fld>
             <a:endParaRPr lang="ko-KR" altLang="en-US"/>
           </a:p>
@@ -457,7 +457,7 @@
           <a:p>
             <a:fld id="{C489B9F7-79CF-4F22-B823-CF861A1373D1}" type="datetimeFigureOut">
               <a:rPr lang="ko-KR" altLang="en-US" smtClean="0"/>
-              <a:t>2023-01-02</a:t>
+              <a:t>2023-01-03</a:t>
             </a:fld>
             <a:endParaRPr lang="ko-KR" altLang="en-US"/>
           </a:p>
@@ -665,7 +665,7 @@
           <a:p>
             <a:fld id="{C489B9F7-79CF-4F22-B823-CF861A1373D1}" type="datetimeFigureOut">
               <a:rPr lang="ko-KR" altLang="en-US" smtClean="0"/>
-              <a:t>2023-01-02</a:t>
+              <a:t>2023-01-03</a:t>
             </a:fld>
             <a:endParaRPr lang="ko-KR" altLang="en-US"/>
           </a:p>
@@ -863,7 +863,7 @@
           <a:p>
             <a:fld id="{C489B9F7-79CF-4F22-B823-CF861A1373D1}" type="datetimeFigureOut">
               <a:rPr lang="ko-KR" altLang="en-US" smtClean="0"/>
-              <a:t>2023-01-02</a:t>
+              <a:t>2023-01-03</a:t>
             </a:fld>
             <a:endParaRPr lang="ko-KR" altLang="en-US"/>
           </a:p>
@@ -1138,7 +1138,7 @@
           <a:p>
             <a:fld id="{C489B9F7-79CF-4F22-B823-CF861A1373D1}" type="datetimeFigureOut">
               <a:rPr lang="ko-KR" altLang="en-US" smtClean="0"/>
-              <a:t>2023-01-02</a:t>
+              <a:t>2023-01-03</a:t>
             </a:fld>
             <a:endParaRPr lang="ko-KR" altLang="en-US"/>
           </a:p>
@@ -1403,7 +1403,7 @@
           <a:p>
             <a:fld id="{C489B9F7-79CF-4F22-B823-CF861A1373D1}" type="datetimeFigureOut">
               <a:rPr lang="ko-KR" altLang="en-US" smtClean="0"/>
-              <a:t>2023-01-02</a:t>
+              <a:t>2023-01-03</a:t>
             </a:fld>
             <a:endParaRPr lang="ko-KR" altLang="en-US"/>
           </a:p>
@@ -1815,7 +1815,7 @@
           <a:p>
             <a:fld id="{C489B9F7-79CF-4F22-B823-CF861A1373D1}" type="datetimeFigureOut">
               <a:rPr lang="ko-KR" altLang="en-US" smtClean="0"/>
-              <a:t>2023-01-02</a:t>
+              <a:t>2023-01-03</a:t>
             </a:fld>
             <a:endParaRPr lang="ko-KR" altLang="en-US"/>
           </a:p>
@@ -1956,7 +1956,7 @@
           <a:p>
             <a:fld id="{C489B9F7-79CF-4F22-B823-CF861A1373D1}" type="datetimeFigureOut">
               <a:rPr lang="ko-KR" altLang="en-US" smtClean="0"/>
-              <a:t>2023-01-02</a:t>
+              <a:t>2023-01-03</a:t>
             </a:fld>
             <a:endParaRPr lang="ko-KR" altLang="en-US"/>
           </a:p>
@@ -2069,7 +2069,7 @@
           <a:p>
             <a:fld id="{C489B9F7-79CF-4F22-B823-CF861A1373D1}" type="datetimeFigureOut">
               <a:rPr lang="ko-KR" altLang="en-US" smtClean="0"/>
-              <a:t>2023-01-02</a:t>
+              <a:t>2023-01-03</a:t>
             </a:fld>
             <a:endParaRPr lang="ko-KR" altLang="en-US"/>
           </a:p>
@@ -2380,7 +2380,7 @@
           <a:p>
             <a:fld id="{C489B9F7-79CF-4F22-B823-CF861A1373D1}" type="datetimeFigureOut">
               <a:rPr lang="ko-KR" altLang="en-US" smtClean="0"/>
-              <a:t>2023-01-02</a:t>
+              <a:t>2023-01-03</a:t>
             </a:fld>
             <a:endParaRPr lang="ko-KR" altLang="en-US"/>
           </a:p>
@@ -2668,7 +2668,7 @@
           <a:p>
             <a:fld id="{C489B9F7-79CF-4F22-B823-CF861A1373D1}" type="datetimeFigureOut">
               <a:rPr lang="ko-KR" altLang="en-US" smtClean="0"/>
-              <a:t>2023-01-02</a:t>
+              <a:t>2023-01-03</a:t>
             </a:fld>
             <a:endParaRPr lang="ko-KR" altLang="en-US"/>
           </a:p>
@@ -2909,7 +2909,7 @@
           <a:p>
             <a:fld id="{C489B9F7-79CF-4F22-B823-CF861A1373D1}" type="datetimeFigureOut">
               <a:rPr lang="ko-KR" altLang="en-US" smtClean="0"/>
-              <a:t>2023-01-02</a:t>
+              <a:t>2023-01-03</a:t>
             </a:fld>
             <a:endParaRPr lang="ko-KR" altLang="en-US"/>
           </a:p>
@@ -4332,7 +4332,7 @@
                     <a:schemeClr val="tx1"/>
                   </a:solidFill>
                 </a:rPr>
-                <a:t>Cluster Classification</a:t>
+                <a:t>Clustering</a:t>
               </a:r>
               <a:endParaRPr lang="ko-KR" altLang="en-US" sz="1200" dirty="0">
                 <a:solidFill>
